--- a/materials/中期答辩.pptx
+++ b/materials/中期答辩.pptx
@@ -221,7 +221,7 @@
           <a:p>
             <a:fld id="{F75178F4-C18B-48EC-9055-35D023B30368}" type="datetimeFigureOut">
               <a:rPr lang="zh-CN" altLang="en-US" smtClean="0"/>
-              <a:t>2019/4/11</a:t>
+              <a:t>2019/4/15</a:t>
             </a:fld>
             <a:endParaRPr lang="zh-CN" altLang="en-US"/>
           </a:p>
@@ -1865,7 +1865,7 @@
           <a:p>
             <a:fld id="{287BCA0E-3945-47E9-A9AA-27ACE9347398}" type="datetimeFigureOut">
               <a:rPr lang="zh-CN" altLang="en-US" smtClean="0"/>
-              <a:t>2019/4/11</a:t>
+              <a:t>2019/4/15</a:t>
             </a:fld>
             <a:endParaRPr lang="zh-CN" altLang="en-US"/>
           </a:p>
@@ -2035,7 +2035,7 @@
           <a:p>
             <a:fld id="{287BCA0E-3945-47E9-A9AA-27ACE9347398}" type="datetimeFigureOut">
               <a:rPr lang="zh-CN" altLang="en-US" smtClean="0"/>
-              <a:t>2019/4/11</a:t>
+              <a:t>2019/4/15</a:t>
             </a:fld>
             <a:endParaRPr lang="zh-CN" altLang="en-US"/>
           </a:p>
@@ -2215,7 +2215,7 @@
           <a:p>
             <a:fld id="{287BCA0E-3945-47E9-A9AA-27ACE9347398}" type="datetimeFigureOut">
               <a:rPr lang="zh-CN" altLang="en-US" smtClean="0"/>
-              <a:t>2019/4/11</a:t>
+              <a:t>2019/4/15</a:t>
             </a:fld>
             <a:endParaRPr lang="zh-CN" altLang="en-US"/>
           </a:p>
@@ -2385,7 +2385,7 @@
           <a:p>
             <a:fld id="{287BCA0E-3945-47E9-A9AA-27ACE9347398}" type="datetimeFigureOut">
               <a:rPr lang="zh-CN" altLang="en-US" smtClean="0"/>
-              <a:t>2019/4/11</a:t>
+              <a:t>2019/4/15</a:t>
             </a:fld>
             <a:endParaRPr lang="zh-CN" altLang="en-US"/>
           </a:p>
@@ -2631,7 +2631,7 @@
           <a:p>
             <a:fld id="{287BCA0E-3945-47E9-A9AA-27ACE9347398}" type="datetimeFigureOut">
               <a:rPr lang="zh-CN" altLang="en-US" smtClean="0"/>
-              <a:t>2019/4/11</a:t>
+              <a:t>2019/4/15</a:t>
             </a:fld>
             <a:endParaRPr lang="zh-CN" altLang="en-US"/>
           </a:p>
@@ -2863,7 +2863,7 @@
           <a:p>
             <a:fld id="{287BCA0E-3945-47E9-A9AA-27ACE9347398}" type="datetimeFigureOut">
               <a:rPr lang="zh-CN" altLang="en-US" smtClean="0"/>
-              <a:t>2019/4/11</a:t>
+              <a:t>2019/4/15</a:t>
             </a:fld>
             <a:endParaRPr lang="zh-CN" altLang="en-US"/>
           </a:p>
@@ -3230,7 +3230,7 @@
           <a:p>
             <a:fld id="{287BCA0E-3945-47E9-A9AA-27ACE9347398}" type="datetimeFigureOut">
               <a:rPr lang="zh-CN" altLang="en-US" smtClean="0"/>
-              <a:t>2019/4/11</a:t>
+              <a:t>2019/4/15</a:t>
             </a:fld>
             <a:endParaRPr lang="zh-CN" altLang="en-US"/>
           </a:p>
@@ -3348,7 +3348,7 @@
           <a:p>
             <a:fld id="{287BCA0E-3945-47E9-A9AA-27ACE9347398}" type="datetimeFigureOut">
               <a:rPr lang="zh-CN" altLang="en-US" smtClean="0"/>
-              <a:t>2019/4/11</a:t>
+              <a:t>2019/4/15</a:t>
             </a:fld>
             <a:endParaRPr lang="zh-CN" altLang="en-US"/>
           </a:p>
@@ -3443,7 +3443,7 @@
           <a:p>
             <a:fld id="{287BCA0E-3945-47E9-A9AA-27ACE9347398}" type="datetimeFigureOut">
               <a:rPr lang="zh-CN" altLang="en-US" smtClean="0"/>
-              <a:t>2019/4/11</a:t>
+              <a:t>2019/4/15</a:t>
             </a:fld>
             <a:endParaRPr lang="zh-CN" altLang="en-US"/>
           </a:p>
@@ -3720,7 +3720,7 @@
           <a:p>
             <a:fld id="{287BCA0E-3945-47E9-A9AA-27ACE9347398}" type="datetimeFigureOut">
               <a:rPr lang="zh-CN" altLang="en-US" smtClean="0"/>
-              <a:t>2019/4/11</a:t>
+              <a:t>2019/4/15</a:t>
             </a:fld>
             <a:endParaRPr lang="zh-CN" altLang="en-US"/>
           </a:p>
@@ -3977,7 +3977,7 @@
           <a:p>
             <a:fld id="{287BCA0E-3945-47E9-A9AA-27ACE9347398}" type="datetimeFigureOut">
               <a:rPr lang="zh-CN" altLang="en-US" smtClean="0"/>
-              <a:t>2019/4/11</a:t>
+              <a:t>2019/4/15</a:t>
             </a:fld>
             <a:endParaRPr lang="zh-CN" altLang="en-US"/>
           </a:p>
@@ -4190,7 +4190,7 @@
           <a:p>
             <a:fld id="{287BCA0E-3945-47E9-A9AA-27ACE9347398}" type="datetimeFigureOut">
               <a:rPr lang="zh-CN" altLang="en-US" smtClean="0"/>
-              <a:t>2019/4/11</a:t>
+              <a:t>2019/4/15</a:t>
             </a:fld>
             <a:endParaRPr lang="zh-CN" altLang="en-US"/>
           </a:p>
@@ -4884,8 +4884,8 @@
         </p:nvSpPr>
         <p:spPr>
           <a:xfrm>
-            <a:off x="1346662" y="2179958"/>
-            <a:ext cx="9414101" cy="2190660"/>
+            <a:off x="1010058" y="2179958"/>
+            <a:ext cx="9750705" cy="2190660"/>
           </a:xfrm>
           <a:prstGeom prst="rect">
             <a:avLst/>
@@ -6216,7 +6216,35 @@
                 <a:latin typeface="华文楷体" panose="02010600040101010101" pitchFamily="2" charset="-122"/>
                 <a:ea typeface="华文楷体" panose="02010600040101010101" pitchFamily="2" charset="-122"/>
               </a:rPr>
-              <a:t>在自然语言推理等其他经典坎坌坐任务上实验</a:t>
+              <a:t>在自然语言推理等</a:t>
+            </a:r>
+            <a:r>
+              <a:rPr lang="zh-CN" altLang="en-US" sz="2800">
+                <a:latin typeface="华文楷体" panose="02010600040101010101" pitchFamily="2" charset="-122"/>
+                <a:ea typeface="华文楷体" panose="02010600040101010101" pitchFamily="2" charset="-122"/>
+              </a:rPr>
+              <a:t>其他经典</a:t>
+            </a:r>
+            <a:r>
+              <a:rPr lang="en-US" altLang="zh-CN" sz="2800">
+                <a:latin typeface="华文楷体" panose="02010600040101010101" pitchFamily="2" charset="-122"/>
+                <a:ea typeface="华文楷体" panose="02010600040101010101" pitchFamily="2" charset="-122"/>
+              </a:rPr>
+              <a:t>NLP</a:t>
+            </a:r>
+            <a:r>
+              <a:rPr lang="zh-CN" altLang="en-US" sz="2800">
+                <a:latin typeface="华文楷体" panose="02010600040101010101" pitchFamily="2" charset="-122"/>
+                <a:ea typeface="华文楷体" panose="02010600040101010101" pitchFamily="2" charset="-122"/>
+              </a:rPr>
+              <a:t>任务</a:t>
+            </a:r>
+            <a:r>
+              <a:rPr lang="zh-CN" altLang="en-US" sz="2800" dirty="0">
+                <a:latin typeface="华文楷体" panose="02010600040101010101" pitchFamily="2" charset="-122"/>
+                <a:ea typeface="华文楷体" panose="02010600040101010101" pitchFamily="2" charset="-122"/>
+              </a:rPr>
+              <a:t>上实验</a:t>
             </a:r>
             <a:endParaRPr lang="en-US" altLang="zh-CN" sz="2800" dirty="0">
               <a:latin typeface="华文楷体" panose="02010600040101010101" pitchFamily="2" charset="-122"/>

--- a/materials/中期答辩.pptx
+++ b/materials/中期答辩.pptx
@@ -5,7 +5,7 @@
     <p:sldMasterId id="2147483660" r:id="rId1"/>
   </p:sldMasterIdLst>
   <p:notesMasterIdLst>
-    <p:notesMasterId r:id="rId16"/>
+    <p:notesMasterId r:id="rId18"/>
   </p:notesMasterIdLst>
   <p:sldIdLst>
     <p:sldId id="278" r:id="rId2"/>
@@ -17,11 +17,13 @@
     <p:sldId id="307" r:id="rId8"/>
     <p:sldId id="308" r:id="rId9"/>
     <p:sldId id="312" r:id="rId10"/>
-    <p:sldId id="313" r:id="rId11"/>
-    <p:sldId id="314" r:id="rId12"/>
-    <p:sldId id="310" r:id="rId13"/>
-    <p:sldId id="316" r:id="rId14"/>
-    <p:sldId id="297" r:id="rId15"/>
+    <p:sldId id="317" r:id="rId11"/>
+    <p:sldId id="313" r:id="rId12"/>
+    <p:sldId id="314" r:id="rId13"/>
+    <p:sldId id="318" r:id="rId14"/>
+    <p:sldId id="310" r:id="rId15"/>
+    <p:sldId id="316" r:id="rId16"/>
+    <p:sldId id="297" r:id="rId17"/>
   </p:sldIdLst>
   <p:sldSz cx="12192000" cy="6858000"/>
   <p:notesSz cx="6858000" cy="9144000"/>
@@ -221,7 +223,7 @@
           <a:p>
             <a:fld id="{F75178F4-C18B-48EC-9055-35D023B30368}" type="datetimeFigureOut">
               <a:rPr lang="zh-CN" altLang="en-US" smtClean="0"/>
-              <a:t>2019/4/15</a:t>
+              <a:t>2019/4/25</a:t>
             </a:fld>
             <a:endParaRPr lang="zh-CN" altLang="en-US"/>
           </a:p>
@@ -656,7 +658,7 @@
     </p:spTree>
     <p:extLst>
       <p:ext uri="{BB962C8B-B14F-4D97-AF65-F5344CB8AC3E}">
-        <p14:creationId xmlns:p14="http://schemas.microsoft.com/office/powerpoint/2010/main" val="1692865514"/>
+        <p14:creationId xmlns:p14="http://schemas.microsoft.com/office/powerpoint/2010/main" val="2667487607"/>
       </p:ext>
     </p:extLst>
   </p:cSld>
@@ -745,7 +747,7 @@
     </p:spTree>
     <p:extLst>
       <p:ext uri="{BB962C8B-B14F-4D97-AF65-F5344CB8AC3E}">
-        <p14:creationId xmlns:p14="http://schemas.microsoft.com/office/powerpoint/2010/main" val="3211699017"/>
+        <p14:creationId xmlns:p14="http://schemas.microsoft.com/office/powerpoint/2010/main" val="1692865514"/>
       </p:ext>
     </p:extLst>
   </p:cSld>
@@ -834,7 +836,7 @@
     </p:spTree>
     <p:extLst>
       <p:ext uri="{BB962C8B-B14F-4D97-AF65-F5344CB8AC3E}">
-        <p14:creationId xmlns:p14="http://schemas.microsoft.com/office/powerpoint/2010/main" val="2861598993"/>
+        <p14:creationId xmlns:p14="http://schemas.microsoft.com/office/powerpoint/2010/main" val="3211699017"/>
       </p:ext>
     </p:extLst>
   </p:cSld>
@@ -923,7 +925,7 @@
     </p:spTree>
     <p:extLst>
       <p:ext uri="{BB962C8B-B14F-4D97-AF65-F5344CB8AC3E}">
-        <p14:creationId xmlns:p14="http://schemas.microsoft.com/office/powerpoint/2010/main" val="1628331585"/>
+        <p14:creationId xmlns:p14="http://schemas.microsoft.com/office/powerpoint/2010/main" val="3295294520"/>
       </p:ext>
     </p:extLst>
   </p:cSld>
@@ -1004,6 +1006,184 @@
             <a:fld id="{2E16E15A-D7A9-4169-A7C2-BCB1B8BA29D0}" type="slidenum">
               <a:rPr lang="zh-CN" altLang="en-US" smtClean="0"/>
               <a:t>14</a:t>
+            </a:fld>
+            <a:endParaRPr lang="zh-CN" altLang="en-US"/>
+          </a:p>
+        </p:txBody>
+      </p:sp>
+    </p:spTree>
+    <p:extLst>
+      <p:ext uri="{BB962C8B-B14F-4D97-AF65-F5344CB8AC3E}">
+        <p14:creationId xmlns:p14="http://schemas.microsoft.com/office/powerpoint/2010/main" val="2861598993"/>
+      </p:ext>
+    </p:extLst>
+  </p:cSld>
+  <p:clrMapOvr>
+    <a:masterClrMapping/>
+  </p:clrMapOvr>
+</p:notes>
+</file>
+
+<file path=ppt/notesSlides/notesSlide15.xml><?xml version="1.0" encoding="utf-8"?>
+<p:notes xmlns:a="http://schemas.openxmlformats.org/drawingml/2006/main" xmlns:r="http://schemas.openxmlformats.org/officeDocument/2006/relationships" xmlns:p="http://schemas.openxmlformats.org/presentationml/2006/main">
+  <p:cSld>
+    <p:spTree>
+      <p:nvGrpSpPr>
+        <p:cNvPr id="1" name=""/>
+        <p:cNvGrpSpPr/>
+        <p:nvPr/>
+      </p:nvGrpSpPr>
+      <p:grpSpPr>
+        <a:xfrm>
+          <a:off x="0" y="0"/>
+          <a:ext cx="0" cy="0"/>
+          <a:chOff x="0" y="0"/>
+          <a:chExt cx="0" cy="0"/>
+        </a:xfrm>
+      </p:grpSpPr>
+      <p:sp>
+        <p:nvSpPr>
+          <p:cNvPr id="2" name="幻灯片图像占位符 1"/>
+          <p:cNvSpPr>
+            <a:spLocks noGrp="1" noRot="1" noChangeAspect="1"/>
+          </p:cNvSpPr>
+          <p:nvPr>
+            <p:ph type="sldImg"/>
+          </p:nvPr>
+        </p:nvSpPr>
+        <p:spPr>
+          <a:xfrm>
+            <a:off x="685800" y="1143000"/>
+            <a:ext cx="5486400" cy="3086100"/>
+          </a:xfrm>
+        </p:spPr>
+      </p:sp>
+      <p:sp>
+        <p:nvSpPr>
+          <p:cNvPr id="3" name="备注占位符 2"/>
+          <p:cNvSpPr>
+            <a:spLocks noGrp="1"/>
+          </p:cNvSpPr>
+          <p:nvPr>
+            <p:ph type="body" idx="1"/>
+          </p:nvPr>
+        </p:nvSpPr>
+        <p:spPr/>
+        <p:txBody>
+          <a:bodyPr/>
+          <a:lstStyle/>
+          <a:p>
+            <a:endParaRPr lang="zh-CN" altLang="en-US" dirty="0"/>
+          </a:p>
+        </p:txBody>
+      </p:sp>
+      <p:sp>
+        <p:nvSpPr>
+          <p:cNvPr id="4" name="灯片编号占位符 3"/>
+          <p:cNvSpPr>
+            <a:spLocks noGrp="1"/>
+          </p:cNvSpPr>
+          <p:nvPr>
+            <p:ph type="sldNum" sz="quarter" idx="10"/>
+          </p:nvPr>
+        </p:nvSpPr>
+        <p:spPr/>
+        <p:txBody>
+          <a:bodyPr/>
+          <a:lstStyle/>
+          <a:p>
+            <a:fld id="{2E16E15A-D7A9-4169-A7C2-BCB1B8BA29D0}" type="slidenum">
+              <a:rPr lang="zh-CN" altLang="en-US" smtClean="0"/>
+              <a:t>15</a:t>
+            </a:fld>
+            <a:endParaRPr lang="zh-CN" altLang="en-US"/>
+          </a:p>
+        </p:txBody>
+      </p:sp>
+    </p:spTree>
+    <p:extLst>
+      <p:ext uri="{BB962C8B-B14F-4D97-AF65-F5344CB8AC3E}">
+        <p14:creationId xmlns:p14="http://schemas.microsoft.com/office/powerpoint/2010/main" val="1628331585"/>
+      </p:ext>
+    </p:extLst>
+  </p:cSld>
+  <p:clrMapOvr>
+    <a:masterClrMapping/>
+  </p:clrMapOvr>
+</p:notes>
+</file>
+
+<file path=ppt/notesSlides/notesSlide16.xml><?xml version="1.0" encoding="utf-8"?>
+<p:notes xmlns:a="http://schemas.openxmlformats.org/drawingml/2006/main" xmlns:r="http://schemas.openxmlformats.org/officeDocument/2006/relationships" xmlns:p="http://schemas.openxmlformats.org/presentationml/2006/main">
+  <p:cSld>
+    <p:spTree>
+      <p:nvGrpSpPr>
+        <p:cNvPr id="1" name=""/>
+        <p:cNvGrpSpPr/>
+        <p:nvPr/>
+      </p:nvGrpSpPr>
+      <p:grpSpPr>
+        <a:xfrm>
+          <a:off x="0" y="0"/>
+          <a:ext cx="0" cy="0"/>
+          <a:chOff x="0" y="0"/>
+          <a:chExt cx="0" cy="0"/>
+        </a:xfrm>
+      </p:grpSpPr>
+      <p:sp>
+        <p:nvSpPr>
+          <p:cNvPr id="2" name="幻灯片图像占位符 1"/>
+          <p:cNvSpPr>
+            <a:spLocks noGrp="1" noRot="1" noChangeAspect="1"/>
+          </p:cNvSpPr>
+          <p:nvPr>
+            <p:ph type="sldImg"/>
+          </p:nvPr>
+        </p:nvSpPr>
+        <p:spPr>
+          <a:xfrm>
+            <a:off x="685800" y="1143000"/>
+            <a:ext cx="5486400" cy="3086100"/>
+          </a:xfrm>
+        </p:spPr>
+      </p:sp>
+      <p:sp>
+        <p:nvSpPr>
+          <p:cNvPr id="3" name="备注占位符 2"/>
+          <p:cNvSpPr>
+            <a:spLocks noGrp="1"/>
+          </p:cNvSpPr>
+          <p:nvPr>
+            <p:ph type="body" idx="1"/>
+          </p:nvPr>
+        </p:nvSpPr>
+        <p:spPr/>
+        <p:txBody>
+          <a:bodyPr/>
+          <a:lstStyle/>
+          <a:p>
+            <a:endParaRPr lang="zh-CN" altLang="en-US" dirty="0"/>
+          </a:p>
+        </p:txBody>
+      </p:sp>
+      <p:sp>
+        <p:nvSpPr>
+          <p:cNvPr id="4" name="灯片编号占位符 3"/>
+          <p:cNvSpPr>
+            <a:spLocks noGrp="1"/>
+          </p:cNvSpPr>
+          <p:nvPr>
+            <p:ph type="sldNum" sz="quarter" idx="10"/>
+          </p:nvPr>
+        </p:nvSpPr>
+        <p:spPr/>
+        <p:txBody>
+          <a:bodyPr/>
+          <a:lstStyle/>
+          <a:p>
+            <a:fld id="{2E16E15A-D7A9-4169-A7C2-BCB1B8BA29D0}" type="slidenum">
+              <a:rPr lang="zh-CN" altLang="en-US" smtClean="0"/>
+              <a:t>16</a:t>
             </a:fld>
             <a:endParaRPr lang="zh-CN" altLang="en-US"/>
           </a:p>
@@ -1865,7 +2045,7 @@
           <a:p>
             <a:fld id="{287BCA0E-3945-47E9-A9AA-27ACE9347398}" type="datetimeFigureOut">
               <a:rPr lang="zh-CN" altLang="en-US" smtClean="0"/>
-              <a:t>2019/4/15</a:t>
+              <a:t>2019/4/25</a:t>
             </a:fld>
             <a:endParaRPr lang="zh-CN" altLang="en-US"/>
           </a:p>
@@ -2035,7 +2215,7 @@
           <a:p>
             <a:fld id="{287BCA0E-3945-47E9-A9AA-27ACE9347398}" type="datetimeFigureOut">
               <a:rPr lang="zh-CN" altLang="en-US" smtClean="0"/>
-              <a:t>2019/4/15</a:t>
+              <a:t>2019/4/25</a:t>
             </a:fld>
             <a:endParaRPr lang="zh-CN" altLang="en-US"/>
           </a:p>
@@ -2215,7 +2395,7 @@
           <a:p>
             <a:fld id="{287BCA0E-3945-47E9-A9AA-27ACE9347398}" type="datetimeFigureOut">
               <a:rPr lang="zh-CN" altLang="en-US" smtClean="0"/>
-              <a:t>2019/4/15</a:t>
+              <a:t>2019/4/25</a:t>
             </a:fld>
             <a:endParaRPr lang="zh-CN" altLang="en-US"/>
           </a:p>
@@ -2385,7 +2565,7 @@
           <a:p>
             <a:fld id="{287BCA0E-3945-47E9-A9AA-27ACE9347398}" type="datetimeFigureOut">
               <a:rPr lang="zh-CN" altLang="en-US" smtClean="0"/>
-              <a:t>2019/4/15</a:t>
+              <a:t>2019/4/25</a:t>
             </a:fld>
             <a:endParaRPr lang="zh-CN" altLang="en-US"/>
           </a:p>
@@ -2631,7 +2811,7 @@
           <a:p>
             <a:fld id="{287BCA0E-3945-47E9-A9AA-27ACE9347398}" type="datetimeFigureOut">
               <a:rPr lang="zh-CN" altLang="en-US" smtClean="0"/>
-              <a:t>2019/4/15</a:t>
+              <a:t>2019/4/25</a:t>
             </a:fld>
             <a:endParaRPr lang="zh-CN" altLang="en-US"/>
           </a:p>
@@ -2863,7 +3043,7 @@
           <a:p>
             <a:fld id="{287BCA0E-3945-47E9-A9AA-27ACE9347398}" type="datetimeFigureOut">
               <a:rPr lang="zh-CN" altLang="en-US" smtClean="0"/>
-              <a:t>2019/4/15</a:t>
+              <a:t>2019/4/25</a:t>
             </a:fld>
             <a:endParaRPr lang="zh-CN" altLang="en-US"/>
           </a:p>
@@ -3230,7 +3410,7 @@
           <a:p>
             <a:fld id="{287BCA0E-3945-47E9-A9AA-27ACE9347398}" type="datetimeFigureOut">
               <a:rPr lang="zh-CN" altLang="en-US" smtClean="0"/>
-              <a:t>2019/4/15</a:t>
+              <a:t>2019/4/25</a:t>
             </a:fld>
             <a:endParaRPr lang="zh-CN" altLang="en-US"/>
           </a:p>
@@ -3348,7 +3528,7 @@
           <a:p>
             <a:fld id="{287BCA0E-3945-47E9-A9AA-27ACE9347398}" type="datetimeFigureOut">
               <a:rPr lang="zh-CN" altLang="en-US" smtClean="0"/>
-              <a:t>2019/4/15</a:t>
+              <a:t>2019/4/25</a:t>
             </a:fld>
             <a:endParaRPr lang="zh-CN" altLang="en-US"/>
           </a:p>
@@ -3443,7 +3623,7 @@
           <a:p>
             <a:fld id="{287BCA0E-3945-47E9-A9AA-27ACE9347398}" type="datetimeFigureOut">
               <a:rPr lang="zh-CN" altLang="en-US" smtClean="0"/>
-              <a:t>2019/4/15</a:t>
+              <a:t>2019/4/25</a:t>
             </a:fld>
             <a:endParaRPr lang="zh-CN" altLang="en-US"/>
           </a:p>
@@ -3720,7 +3900,7 @@
           <a:p>
             <a:fld id="{287BCA0E-3945-47E9-A9AA-27ACE9347398}" type="datetimeFigureOut">
               <a:rPr lang="zh-CN" altLang="en-US" smtClean="0"/>
-              <a:t>2019/4/15</a:t>
+              <a:t>2019/4/25</a:t>
             </a:fld>
             <a:endParaRPr lang="zh-CN" altLang="en-US"/>
           </a:p>
@@ -3977,7 +4157,7 @@
           <a:p>
             <a:fld id="{287BCA0E-3945-47E9-A9AA-27ACE9347398}" type="datetimeFigureOut">
               <a:rPr lang="zh-CN" altLang="en-US" smtClean="0"/>
-              <a:t>2019/4/15</a:t>
+              <a:t>2019/4/25</a:t>
             </a:fld>
             <a:endParaRPr lang="zh-CN" altLang="en-US"/>
           </a:p>
@@ -4190,7 +4370,7 @@
           <a:p>
             <a:fld id="{287BCA0E-3945-47E9-A9AA-27ACE9347398}" type="datetimeFigureOut">
               <a:rPr lang="zh-CN" altLang="en-US" smtClean="0"/>
-              <a:t>2019/4/15</a:t>
+              <a:t>2019/4/25</a:t>
             </a:fld>
             <a:endParaRPr lang="zh-CN" altLang="en-US"/>
           </a:p>
@@ -5339,7 +5519,7 @@
                 <a:latin typeface="微软雅黑" panose="020B0503020204020204" pitchFamily="34" charset="-122"/>
                 <a:ea typeface="微软雅黑" panose="020B0503020204020204" pitchFamily="34" charset="-122"/>
               </a:rPr>
-              <a:t>MTL with Transformer</a:t>
+              <a:t>Transformer</a:t>
             </a:r>
             <a:endParaRPr lang="zh-CN" altLang="en-US" sz="3600" dirty="0">
               <a:solidFill>
@@ -5354,12 +5534,70 @@
           </a:p>
         </p:txBody>
       </p:sp>
+      <p:sp>
+        <p:nvSpPr>
+          <p:cNvPr id="4" name="矩形 3">
+            <a:extLst>
+              <a:ext uri="{FF2B5EF4-FFF2-40B4-BE49-F238E27FC236}">
+                <a16:creationId xmlns:a16="http://schemas.microsoft.com/office/drawing/2014/main" id="{E38BA221-10E3-4BD4-9CDD-D71A0381D628}"/>
+              </a:ext>
+            </a:extLst>
+          </p:cNvPr>
+          <p:cNvSpPr/>
+          <p:nvPr/>
+        </p:nvSpPr>
+        <p:spPr>
+          <a:xfrm>
+            <a:off x="138546" y="6234533"/>
+            <a:ext cx="11094719" cy="369332"/>
+          </a:xfrm>
+          <a:prstGeom prst="rect">
+            <a:avLst/>
+          </a:prstGeom>
+        </p:spPr>
+        <p:txBody>
+          <a:bodyPr wrap="square">
+            <a:spAutoFit/>
+          </a:bodyPr>
+          <a:lstStyle/>
+          <a:p>
+            <a:r>
+              <a:rPr lang="en-US" altLang="zh-CN" dirty="0">
+                <a:solidFill>
+                  <a:srgbClr val="222222"/>
+                </a:solidFill>
+                <a:latin typeface="Arial" panose="020B0604020202020204" pitchFamily="34" charset="0"/>
+              </a:rPr>
+              <a:t>Vaswani, Ashish, et al. "Attention is all you need." </a:t>
+            </a:r>
+            <a:r>
+              <a:rPr lang="en-US" altLang="zh-CN" i="1" dirty="0">
+                <a:solidFill>
+                  <a:srgbClr val="222222"/>
+                </a:solidFill>
+                <a:latin typeface="Arial" panose="020B0604020202020204" pitchFamily="34" charset="0"/>
+              </a:rPr>
+              <a:t>Advances in neural information processing systems</a:t>
+            </a:r>
+            <a:r>
+              <a:rPr lang="en-US" altLang="zh-CN" dirty="0">
+                <a:solidFill>
+                  <a:srgbClr val="222222"/>
+                </a:solidFill>
+                <a:latin typeface="Arial" panose="020B0604020202020204" pitchFamily="34" charset="0"/>
+              </a:rPr>
+              <a:t>. 2017.</a:t>
+            </a:r>
+            <a:endParaRPr lang="zh-CN" altLang="en-US" dirty="0"/>
+          </a:p>
+        </p:txBody>
+      </p:sp>
       <p:pic>
         <p:nvPicPr>
-          <p:cNvPr id="7" name="图片 6">
+          <p:cNvPr id="11" name="图片 10">
             <a:extLst>
               <a:ext uri="{FF2B5EF4-FFF2-40B4-BE49-F238E27FC236}">
-                <a16:creationId xmlns:a16="http://schemas.microsoft.com/office/drawing/2014/main" id="{BF30DB10-849A-4A92-9190-579283007094}"/>
+                <a16:creationId xmlns:a16="http://schemas.microsoft.com/office/drawing/2014/main" id="{E08A3474-640C-43CB-AD6A-8F3299E35488}"/>
               </a:ext>
             </a:extLst>
           </p:cNvPr>
@@ -5368,7 +5606,7 @@
           </p:cNvPicPr>
           <p:nvPr/>
         </p:nvPicPr>
-        <p:blipFill>
+        <p:blipFill rotWithShape="1">
           <a:blip r:embed="rId8">
             <a:extLst>
               <a:ext uri="{28A0092B-C50C-407E-A947-70E740481C1C}">
@@ -5376,14 +5614,13 @@
               </a:ext>
             </a:extLst>
           </a:blip>
-          <a:stretch>
-            <a:fillRect/>
-          </a:stretch>
+          <a:srcRect l="19843" r="15865" b="19345"/>
+          <a:stretch/>
         </p:blipFill>
         <p:spPr>
           <a:xfrm>
-            <a:off x="181821" y="1823810"/>
-            <a:ext cx="5302645" cy="3427060"/>
+            <a:off x="8643334" y="2620152"/>
+            <a:ext cx="2846301" cy="1923806"/>
           </a:xfrm>
           <a:prstGeom prst="rect">
             <a:avLst/>
@@ -5392,10 +5629,10 @@
       </p:pic>
       <p:pic>
         <p:nvPicPr>
-          <p:cNvPr id="11" name="图片 10">
+          <p:cNvPr id="7" name="图片 6">
             <a:extLst>
               <a:ext uri="{FF2B5EF4-FFF2-40B4-BE49-F238E27FC236}">
-                <a16:creationId xmlns:a16="http://schemas.microsoft.com/office/drawing/2014/main" id="{3939C823-0514-4C1B-9F19-7C8C0BAB8D32}"/>
+                <a16:creationId xmlns:a16="http://schemas.microsoft.com/office/drawing/2014/main" id="{37EBBE76-7BCC-4FFB-A785-96CBAD3F8657}"/>
               </a:ext>
             </a:extLst>
           </p:cNvPr>
@@ -5418,21 +5655,110 @@
         </p:blipFill>
         <p:spPr>
           <a:xfrm>
-            <a:off x="6096000" y="1823810"/>
-            <a:ext cx="5715286" cy="3427053"/>
+            <a:off x="138546" y="2246603"/>
+            <a:ext cx="7867577" cy="2187481"/>
           </a:xfrm>
           <a:prstGeom prst="rect">
             <a:avLst/>
           </a:prstGeom>
         </p:spPr>
       </p:pic>
+      <p:sp>
+        <p:nvSpPr>
+          <p:cNvPr id="12" name="矩形 11">
+            <a:extLst>
+              <a:ext uri="{FF2B5EF4-FFF2-40B4-BE49-F238E27FC236}">
+                <a16:creationId xmlns:a16="http://schemas.microsoft.com/office/drawing/2014/main" id="{0A6DFE48-223C-4338-916D-29AA75A86809}"/>
+              </a:ext>
+            </a:extLst>
+          </p:cNvPr>
+          <p:cNvSpPr/>
+          <p:nvPr/>
+        </p:nvSpPr>
+        <p:spPr>
+          <a:xfrm>
+            <a:off x="2355996" y="4571486"/>
+            <a:ext cx="3432676" cy="523220"/>
+          </a:xfrm>
+          <a:prstGeom prst="rect">
+            <a:avLst/>
+          </a:prstGeom>
+        </p:spPr>
+        <p:txBody>
+          <a:bodyPr wrap="square">
+            <a:spAutoFit/>
+          </a:bodyPr>
+          <a:lstStyle/>
+          <a:p>
+            <a:r>
+              <a:rPr lang="en-US" altLang="zh-CN" sz="2800">
+                <a:latin typeface="华文楷体" panose="02010600040101010101" pitchFamily="2" charset="-122"/>
+                <a:ea typeface="华文楷体" panose="02010600040101010101" pitchFamily="2" charset="-122"/>
+              </a:rPr>
+              <a:t>Transformer</a:t>
+            </a:r>
+            <a:r>
+              <a:rPr lang="zh-CN" altLang="en-US" sz="2800">
+                <a:latin typeface="华文楷体" panose="02010600040101010101" pitchFamily="2" charset="-122"/>
+                <a:ea typeface="华文楷体" panose="02010600040101010101" pitchFamily="2" charset="-122"/>
+              </a:rPr>
+              <a:t>编码过程</a:t>
+            </a:r>
+            <a:endParaRPr lang="zh-CN" altLang="en-US" sz="2800" dirty="0">
+              <a:latin typeface="华文楷体" panose="02010600040101010101" pitchFamily="2" charset="-122"/>
+              <a:ea typeface="华文楷体" panose="02010600040101010101" pitchFamily="2" charset="-122"/>
+            </a:endParaRPr>
+          </a:p>
+        </p:txBody>
+      </p:sp>
+      <p:sp>
+        <p:nvSpPr>
+          <p:cNvPr id="14" name="矩形 13">
+            <a:extLst>
+              <a:ext uri="{FF2B5EF4-FFF2-40B4-BE49-F238E27FC236}">
+                <a16:creationId xmlns:a16="http://schemas.microsoft.com/office/drawing/2014/main" id="{6F690800-AA60-4752-8C3A-4A944774C043}"/>
+              </a:ext>
+            </a:extLst>
+          </p:cNvPr>
+          <p:cNvSpPr/>
+          <p:nvPr/>
+        </p:nvSpPr>
+        <p:spPr>
+          <a:xfrm>
+            <a:off x="8852072" y="4571486"/>
+            <a:ext cx="2428824" cy="523220"/>
+          </a:xfrm>
+          <a:prstGeom prst="rect">
+            <a:avLst/>
+          </a:prstGeom>
+        </p:spPr>
+        <p:txBody>
+          <a:bodyPr wrap="square">
+            <a:spAutoFit/>
+          </a:bodyPr>
+          <a:lstStyle/>
+          <a:p>
+            <a:r>
+              <a:rPr lang="zh-CN" altLang="en-US" sz="2800">
+                <a:latin typeface="华文楷体" panose="02010600040101010101" pitchFamily="2" charset="-122"/>
+                <a:ea typeface="华文楷体" panose="02010600040101010101" pitchFamily="2" charset="-122"/>
+              </a:rPr>
+              <a:t>一个简化版本</a:t>
+            </a:r>
+            <a:endParaRPr lang="zh-CN" altLang="en-US" sz="2800" dirty="0">
+              <a:latin typeface="华文楷体" panose="02010600040101010101" pitchFamily="2" charset="-122"/>
+              <a:ea typeface="华文楷体" panose="02010600040101010101" pitchFamily="2" charset="-122"/>
+            </a:endParaRPr>
+          </a:p>
+        </p:txBody>
+      </p:sp>
     </p:spTree>
     <p:custDataLst>
       <p:tags r:id="rId1"/>
     </p:custDataLst>
     <p:extLst>
       <p:ext uri="{BB962C8B-B14F-4D97-AF65-F5344CB8AC3E}">
-        <p14:creationId xmlns:p14="http://schemas.microsoft.com/office/powerpoint/2010/main" val="903799066"/>
+        <p14:creationId xmlns:p14="http://schemas.microsoft.com/office/powerpoint/2010/main" val="4193147505"/>
       </p:ext>
     </p:extLst>
   </p:cSld>
@@ -5689,7 +6015,7 @@
                 <a:latin typeface="微软雅黑" panose="020B0503020204020204" pitchFamily="34" charset="-122"/>
                 <a:ea typeface="微软雅黑" panose="020B0503020204020204" pitchFamily="34" charset="-122"/>
               </a:rPr>
-              <a:t>Experiments</a:t>
+              <a:t>MTL with Transformer</a:t>
             </a:r>
             <a:endParaRPr lang="zh-CN" altLang="en-US" sz="3600" dirty="0">
               <a:solidFill>
@@ -5706,10 +6032,10 @@
       </p:sp>
       <p:pic>
         <p:nvPicPr>
-          <p:cNvPr id="4" name="图片 3">
+          <p:cNvPr id="7" name="图片 6">
             <a:extLst>
               <a:ext uri="{FF2B5EF4-FFF2-40B4-BE49-F238E27FC236}">
-                <a16:creationId xmlns:a16="http://schemas.microsoft.com/office/drawing/2014/main" id="{8F8EE8E7-BC1E-45F5-86B3-BEE67CE278F4}"/>
+                <a16:creationId xmlns:a16="http://schemas.microsoft.com/office/drawing/2014/main" id="{BF30DB10-849A-4A92-9190-579283007094}"/>
               </a:ext>
             </a:extLst>
           </p:cNvPr>
@@ -5732,8 +6058,8 @@
         </p:blipFill>
         <p:spPr>
           <a:xfrm>
-            <a:off x="432808" y="1294743"/>
-            <a:ext cx="4443445" cy="5138775"/>
+            <a:off x="181821" y="1823810"/>
+            <a:ext cx="5302645" cy="3427060"/>
           </a:xfrm>
           <a:prstGeom prst="rect">
             <a:avLst/>
@@ -5742,10 +6068,10 @@
       </p:pic>
       <p:pic>
         <p:nvPicPr>
-          <p:cNvPr id="9" name="图片 8">
+          <p:cNvPr id="11" name="图片 10">
             <a:extLst>
               <a:ext uri="{FF2B5EF4-FFF2-40B4-BE49-F238E27FC236}">
-                <a16:creationId xmlns:a16="http://schemas.microsoft.com/office/drawing/2014/main" id="{EAF7FA68-5EDC-4BE1-955F-FCAAF5DDBB8E}"/>
+                <a16:creationId xmlns:a16="http://schemas.microsoft.com/office/drawing/2014/main" id="{3939C823-0514-4C1B-9F19-7C8C0BAB8D32}"/>
               </a:ext>
             </a:extLst>
           </p:cNvPr>
@@ -5768,8 +6094,8 @@
         </p:blipFill>
         <p:spPr>
           <a:xfrm>
-            <a:off x="5677701" y="1481225"/>
-            <a:ext cx="5691229" cy="4833973"/>
+            <a:off x="6096000" y="1823810"/>
+            <a:ext cx="5715286" cy="3427053"/>
           </a:xfrm>
           <a:prstGeom prst="rect">
             <a:avLst/>
@@ -5782,7 +6108,7 @@
     </p:custDataLst>
     <p:extLst>
       <p:ext uri="{BB962C8B-B14F-4D97-AF65-F5344CB8AC3E}">
-        <p14:creationId xmlns:p14="http://schemas.microsoft.com/office/powerpoint/2010/main" val="3929207600"/>
+        <p14:creationId xmlns:p14="http://schemas.microsoft.com/office/powerpoint/2010/main" val="903799066"/>
       </p:ext>
     </p:extLst>
   </p:cSld>
@@ -6029,7 +6355,7 @@
           <a:lstStyle/>
           <a:p>
             <a:r>
-              <a:rPr lang="zh-CN" altLang="en-US" sz="3600" dirty="0">
+              <a:rPr lang="en-US" altLang="zh-CN" sz="3600" dirty="0">
                 <a:solidFill>
                   <a:schemeClr val="tx1">
                     <a:lumMod val="75000"/>
@@ -6039,287 +6365,63 @@
                 <a:latin typeface="微软雅黑" panose="020B0503020204020204" pitchFamily="34" charset="-122"/>
                 <a:ea typeface="微软雅黑" panose="020B0503020204020204" pitchFamily="34" charset="-122"/>
               </a:rPr>
-              <a:t>三、存在的问题与解决方案</a:t>
-            </a:r>
-          </a:p>
-        </p:txBody>
-      </p:sp>
-      <p:sp>
-        <p:nvSpPr>
-          <p:cNvPr id="11" name="文本框 10">
+              <a:t>Experiments</a:t>
+            </a:r>
+            <a:endParaRPr lang="zh-CN" altLang="en-US" sz="3600" dirty="0">
+              <a:solidFill>
+                <a:schemeClr val="tx1">
+                  <a:lumMod val="75000"/>
+                  <a:lumOff val="25000"/>
+                </a:schemeClr>
+              </a:solidFill>
+              <a:latin typeface="微软雅黑" panose="020B0503020204020204" pitchFamily="34" charset="-122"/>
+              <a:ea typeface="微软雅黑" panose="020B0503020204020204" pitchFamily="34" charset="-122"/>
+            </a:endParaRPr>
+          </a:p>
+        </p:txBody>
+      </p:sp>
+      <p:pic>
+        <p:nvPicPr>
+          <p:cNvPr id="7" name="图片 6">
             <a:extLst>
               <a:ext uri="{FF2B5EF4-FFF2-40B4-BE49-F238E27FC236}">
-                <a16:creationId xmlns:a16="http://schemas.microsoft.com/office/drawing/2014/main" id="{7982F957-CE34-4724-A644-098701D857A9}"/>
+                <a16:creationId xmlns:a16="http://schemas.microsoft.com/office/drawing/2014/main" id="{9FDC8B38-DFC8-4622-BA78-0C3DFF029B2D}"/>
               </a:ext>
             </a:extLst>
           </p:cNvPr>
-          <p:cNvSpPr txBox="1"/>
+          <p:cNvPicPr>
+            <a:picLocks noChangeAspect="1"/>
+          </p:cNvPicPr>
           <p:nvPr/>
-        </p:nvSpPr>
-        <p:spPr>
-          <a:xfrm>
-            <a:off x="181821" y="1294743"/>
-            <a:ext cx="11828358" cy="5201424"/>
+        </p:nvPicPr>
+        <p:blipFill rotWithShape="1">
+          <a:blip r:embed="rId8">
+            <a:extLst>
+              <a:ext uri="{28A0092B-C50C-407E-A947-70E740481C1C}">
+                <a14:useLocalDpi xmlns:a14="http://schemas.microsoft.com/office/drawing/2010/main" val="0"/>
+              </a:ext>
+            </a:extLst>
+          </a:blip>
+          <a:srcRect t="4147"/>
+          <a:stretch/>
+        </p:blipFill>
+        <p:spPr>
+          <a:xfrm>
+            <a:off x="2647596" y="1383896"/>
+            <a:ext cx="6896808" cy="5075366"/>
           </a:xfrm>
           <a:prstGeom prst="rect">
             <a:avLst/>
           </a:prstGeom>
-          <a:noFill/>
-        </p:spPr>
-        <p:txBody>
-          <a:bodyPr wrap="square" rtlCol="0">
-            <a:spAutoFit/>
-          </a:bodyPr>
-          <a:lstStyle/>
-          <a:p>
-            <a:pPr marL="457200" indent="-457200">
-              <a:lnSpc>
-                <a:spcPct val="150000"/>
-              </a:lnSpc>
-              <a:buClr>
-                <a:srgbClr val="C55A11"/>
-              </a:buClr>
-              <a:buFont typeface="Wingdings" panose="05000000000000000000" pitchFamily="2" charset="2"/>
-              <a:buChar char="Ø"/>
-            </a:pPr>
-            <a:r>
-              <a:rPr lang="zh-CN" altLang="en-US" sz="2800" dirty="0">
-                <a:latin typeface="华文楷体" panose="02010600040101010101" pitchFamily="2" charset="-122"/>
-                <a:ea typeface="华文楷体" panose="02010600040101010101" pitchFamily="2" charset="-122"/>
-              </a:rPr>
-              <a:t>存在的问题</a:t>
-            </a:r>
-            <a:endParaRPr lang="en-US" altLang="zh-CN" sz="2800" dirty="0">
-              <a:latin typeface="华文楷体" panose="02010600040101010101" pitchFamily="2" charset="-122"/>
-              <a:ea typeface="华文楷体" panose="02010600040101010101" pitchFamily="2" charset="-122"/>
-            </a:endParaRPr>
-          </a:p>
-          <a:p>
-            <a:pPr marL="914400" lvl="1" indent="-457200">
-              <a:lnSpc>
-                <a:spcPct val="150000"/>
-              </a:lnSpc>
-              <a:buClr>
-                <a:srgbClr val="C55A11"/>
-              </a:buClr>
-              <a:buFont typeface="Wingdings" panose="05000000000000000000" pitchFamily="2" charset="2"/>
-              <a:buChar char="Ø"/>
-            </a:pPr>
-            <a:r>
-              <a:rPr lang="zh-CN" altLang="en-US" sz="2800" dirty="0">
-                <a:latin typeface="华文楷体" panose="02010600040101010101" pitchFamily="2" charset="-122"/>
-                <a:ea typeface="华文楷体" panose="02010600040101010101" pitchFamily="2" charset="-122"/>
-              </a:rPr>
-              <a:t>仅在文本分类任务上进行了实验</a:t>
-            </a:r>
-            <a:endParaRPr lang="en-US" altLang="zh-CN" sz="2800" dirty="0">
-              <a:latin typeface="华文楷体" panose="02010600040101010101" pitchFamily="2" charset="-122"/>
-              <a:ea typeface="华文楷体" panose="02010600040101010101" pitchFamily="2" charset="-122"/>
-            </a:endParaRPr>
-          </a:p>
-          <a:p>
-            <a:pPr marL="914400" lvl="1" indent="-457200">
-              <a:lnSpc>
-                <a:spcPct val="150000"/>
-              </a:lnSpc>
-              <a:buClr>
-                <a:srgbClr val="C55A11"/>
-              </a:buClr>
-              <a:buFont typeface="Wingdings" panose="05000000000000000000" pitchFamily="2" charset="2"/>
-              <a:buChar char="Ø"/>
-            </a:pPr>
-            <a:r>
-              <a:rPr lang="zh-CN" altLang="en-US" sz="2800" dirty="0">
-                <a:latin typeface="华文楷体" panose="02010600040101010101" pitchFamily="2" charset="-122"/>
-                <a:ea typeface="华文楷体" panose="02010600040101010101" pitchFamily="2" charset="-122"/>
-              </a:rPr>
-              <a:t>提出的</a:t>
-            </a:r>
-            <a:r>
-              <a:rPr lang="en-US" altLang="zh-CN" sz="2800" dirty="0">
-                <a:latin typeface="华文楷体" panose="02010600040101010101" pitchFamily="2" charset="-122"/>
-                <a:ea typeface="华文楷体" panose="02010600040101010101" pitchFamily="2" charset="-122"/>
-              </a:rPr>
-              <a:t>L-E</a:t>
-            </a:r>
-            <a:r>
-              <a:rPr lang="zh-CN" altLang="en-US" sz="2800" dirty="0">
-                <a:latin typeface="华文楷体" panose="02010600040101010101" pitchFamily="2" charset="-122"/>
-                <a:ea typeface="华文楷体" panose="02010600040101010101" pitchFamily="2" charset="-122"/>
-              </a:rPr>
-              <a:t>共享模式没有达到预期效果</a:t>
-            </a:r>
-            <a:endParaRPr lang="en-US" altLang="zh-CN" sz="2800" dirty="0">
-              <a:latin typeface="华文楷体" panose="02010600040101010101" pitchFamily="2" charset="-122"/>
-              <a:ea typeface="华文楷体" panose="02010600040101010101" pitchFamily="2" charset="-122"/>
-            </a:endParaRPr>
-          </a:p>
-          <a:p>
-            <a:pPr marL="914400" lvl="1" indent="-457200">
-              <a:lnSpc>
-                <a:spcPct val="150000"/>
-              </a:lnSpc>
-              <a:buClr>
-                <a:srgbClr val="C55A11"/>
-              </a:buClr>
-              <a:buFont typeface="Wingdings" panose="05000000000000000000" pitchFamily="2" charset="2"/>
-              <a:buChar char="Ø"/>
-            </a:pPr>
-            <a:r>
-              <a:rPr lang="zh-CN" altLang="en-US" sz="2800" dirty="0">
-                <a:latin typeface="华文楷体" panose="02010600040101010101" pitchFamily="2" charset="-122"/>
-                <a:ea typeface="华文楷体" panose="02010600040101010101" pitchFamily="2" charset="-122"/>
-              </a:rPr>
-              <a:t>使用的数据集规模较小</a:t>
-            </a:r>
-            <a:endParaRPr lang="en-US" altLang="zh-CN" sz="2800" dirty="0">
-              <a:latin typeface="华文楷体" panose="02010600040101010101" pitchFamily="2" charset="-122"/>
-              <a:ea typeface="华文楷体" panose="02010600040101010101" pitchFamily="2" charset="-122"/>
-            </a:endParaRPr>
-          </a:p>
-          <a:p>
-            <a:pPr marL="457200" indent="-457200">
-              <a:lnSpc>
-                <a:spcPct val="150000"/>
-              </a:lnSpc>
-              <a:buClr>
-                <a:srgbClr val="C55A11"/>
-              </a:buClr>
-              <a:buFont typeface="Wingdings" panose="05000000000000000000" pitchFamily="2" charset="2"/>
-              <a:buChar char="Ø"/>
-            </a:pPr>
-            <a:r>
-              <a:rPr lang="zh-CN" altLang="en-US" sz="2800" dirty="0">
-                <a:latin typeface="华文楷体" panose="02010600040101010101" pitchFamily="2" charset="-122"/>
-                <a:ea typeface="华文楷体" panose="02010600040101010101" pitchFamily="2" charset="-122"/>
-              </a:rPr>
-              <a:t>解决方案</a:t>
-            </a:r>
-            <a:endParaRPr lang="en-US" altLang="zh-CN" sz="2800" dirty="0">
-              <a:latin typeface="华文楷体" panose="02010600040101010101" pitchFamily="2" charset="-122"/>
-              <a:ea typeface="华文楷体" panose="02010600040101010101" pitchFamily="2" charset="-122"/>
-            </a:endParaRPr>
-          </a:p>
-          <a:p>
-            <a:pPr marL="914400" lvl="1" indent="-457200">
-              <a:lnSpc>
-                <a:spcPct val="150000"/>
-              </a:lnSpc>
-              <a:buClr>
-                <a:srgbClr val="C55A11"/>
-              </a:buClr>
-              <a:buFont typeface="Wingdings" panose="05000000000000000000" pitchFamily="2" charset="2"/>
-              <a:buChar char="Ø"/>
-            </a:pPr>
-            <a:r>
-              <a:rPr lang="zh-CN" altLang="en-US" sz="2800" dirty="0">
-                <a:latin typeface="华文楷体" panose="02010600040101010101" pitchFamily="2" charset="-122"/>
-                <a:ea typeface="华文楷体" panose="02010600040101010101" pitchFamily="2" charset="-122"/>
-              </a:rPr>
-              <a:t>在自然语言推理等</a:t>
-            </a:r>
-            <a:r>
-              <a:rPr lang="zh-CN" altLang="en-US" sz="2800">
-                <a:latin typeface="华文楷体" panose="02010600040101010101" pitchFamily="2" charset="-122"/>
-                <a:ea typeface="华文楷体" panose="02010600040101010101" pitchFamily="2" charset="-122"/>
-              </a:rPr>
-              <a:t>其他经典</a:t>
-            </a:r>
-            <a:r>
-              <a:rPr lang="en-US" altLang="zh-CN" sz="2800">
-                <a:latin typeface="华文楷体" panose="02010600040101010101" pitchFamily="2" charset="-122"/>
-                <a:ea typeface="华文楷体" panose="02010600040101010101" pitchFamily="2" charset="-122"/>
-              </a:rPr>
-              <a:t>NLP</a:t>
-            </a:r>
-            <a:r>
-              <a:rPr lang="zh-CN" altLang="en-US" sz="2800">
-                <a:latin typeface="华文楷体" panose="02010600040101010101" pitchFamily="2" charset="-122"/>
-                <a:ea typeface="华文楷体" panose="02010600040101010101" pitchFamily="2" charset="-122"/>
-              </a:rPr>
-              <a:t>任务</a:t>
-            </a:r>
-            <a:r>
-              <a:rPr lang="zh-CN" altLang="en-US" sz="2800" dirty="0">
-                <a:latin typeface="华文楷体" panose="02010600040101010101" pitchFamily="2" charset="-122"/>
-                <a:ea typeface="华文楷体" panose="02010600040101010101" pitchFamily="2" charset="-122"/>
-              </a:rPr>
-              <a:t>上实验</a:t>
-            </a:r>
-            <a:endParaRPr lang="en-US" altLang="zh-CN" sz="2800" dirty="0">
-              <a:latin typeface="华文楷体" panose="02010600040101010101" pitchFamily="2" charset="-122"/>
-              <a:ea typeface="华文楷体" panose="02010600040101010101" pitchFamily="2" charset="-122"/>
-            </a:endParaRPr>
-          </a:p>
-          <a:p>
-            <a:pPr marL="914400" lvl="1" indent="-457200">
-              <a:lnSpc>
-                <a:spcPct val="150000"/>
-              </a:lnSpc>
-              <a:buClr>
-                <a:srgbClr val="C55A11"/>
-              </a:buClr>
-              <a:buFont typeface="Wingdings" panose="05000000000000000000" pitchFamily="2" charset="2"/>
-              <a:buChar char="Ø"/>
-            </a:pPr>
-            <a:r>
-              <a:rPr lang="zh-CN" altLang="en-US" sz="2800" dirty="0">
-                <a:latin typeface="华文楷体" panose="02010600040101010101" pitchFamily="2" charset="-122"/>
-                <a:ea typeface="华文楷体" panose="02010600040101010101" pitchFamily="2" charset="-122"/>
-              </a:rPr>
-              <a:t>改进坌圭坅共享模式，如为每个任务使用不同</a:t>
-            </a:r>
-            <a:r>
-              <a:rPr lang="en-US" altLang="zh-CN" sz="2800" dirty="0">
-                <a:latin typeface="华文楷体" panose="02010600040101010101" pitchFamily="2" charset="-122"/>
-                <a:ea typeface="华文楷体" panose="02010600040101010101" pitchFamily="2" charset="-122"/>
-              </a:rPr>
-              <a:t>Query</a:t>
-            </a:r>
-            <a:r>
-              <a:rPr lang="zh-CN" altLang="en-US" sz="2800" dirty="0">
-                <a:latin typeface="华文楷体" panose="02010600040101010101" pitchFamily="2" charset="-122"/>
-                <a:ea typeface="华文楷体" panose="02010600040101010101" pitchFamily="2" charset="-122"/>
-              </a:rPr>
-              <a:t>向量</a:t>
-            </a:r>
-            <a:endParaRPr lang="en-US" altLang="zh-CN" sz="2800" dirty="0">
-              <a:latin typeface="华文楷体" panose="02010600040101010101" pitchFamily="2" charset="-122"/>
-              <a:ea typeface="华文楷体" panose="02010600040101010101" pitchFamily="2" charset="-122"/>
-            </a:endParaRPr>
-          </a:p>
-          <a:p>
-            <a:pPr marL="914400" lvl="1" indent="-457200">
-              <a:lnSpc>
-                <a:spcPct val="150000"/>
-              </a:lnSpc>
-              <a:buClr>
-                <a:srgbClr val="C55A11"/>
-              </a:buClr>
-              <a:buFont typeface="Wingdings" panose="05000000000000000000" pitchFamily="2" charset="2"/>
-              <a:buChar char="Ø"/>
-            </a:pPr>
-            <a:r>
-              <a:rPr lang="zh-CN" altLang="en-US" sz="2800" dirty="0">
-                <a:latin typeface="华文楷体" panose="02010600040101010101" pitchFamily="2" charset="-122"/>
-                <a:ea typeface="华文楷体" panose="02010600040101010101" pitchFamily="2" charset="-122"/>
-              </a:rPr>
-              <a:t>在不同规模的数据集上对模型进行更多测试</a:t>
-            </a:r>
-            <a:endParaRPr lang="en-US" altLang="zh-CN" sz="2800" dirty="0">
-              <a:latin typeface="华文楷体" panose="02010600040101010101" pitchFamily="2" charset="-122"/>
-              <a:ea typeface="华文楷体" panose="02010600040101010101" pitchFamily="2" charset="-122"/>
-            </a:endParaRPr>
-          </a:p>
-        </p:txBody>
-      </p:sp>
+        </p:spPr>
+      </p:pic>
     </p:spTree>
     <p:custDataLst>
       <p:tags r:id="rId1"/>
     </p:custDataLst>
     <p:extLst>
       <p:ext uri="{BB962C8B-B14F-4D97-AF65-F5344CB8AC3E}">
-        <p14:creationId xmlns:p14="http://schemas.microsoft.com/office/powerpoint/2010/main" val="3622559143"/>
+        <p14:creationId xmlns:p14="http://schemas.microsoft.com/office/powerpoint/2010/main" val="3929207600"/>
       </p:ext>
     </p:extLst>
   </p:cSld>
@@ -6566,6 +6668,871 @@
           <a:lstStyle/>
           <a:p>
             <a:r>
+              <a:rPr lang="en-US" altLang="zh-CN" sz="3600" dirty="0">
+                <a:solidFill>
+                  <a:schemeClr val="tx1">
+                    <a:lumMod val="75000"/>
+                    <a:lumOff val="25000"/>
+                  </a:schemeClr>
+                </a:solidFill>
+                <a:latin typeface="微软雅黑" panose="020B0503020204020204" pitchFamily="34" charset="-122"/>
+                <a:ea typeface="微软雅黑" panose="020B0503020204020204" pitchFamily="34" charset="-122"/>
+              </a:rPr>
+              <a:t>Experiments</a:t>
+            </a:r>
+            <a:endParaRPr lang="zh-CN" altLang="en-US" sz="3600" dirty="0">
+              <a:solidFill>
+                <a:schemeClr val="tx1">
+                  <a:lumMod val="75000"/>
+                  <a:lumOff val="25000"/>
+                </a:schemeClr>
+              </a:solidFill>
+              <a:latin typeface="微软雅黑" panose="020B0503020204020204" pitchFamily="34" charset="-122"/>
+              <a:ea typeface="微软雅黑" panose="020B0503020204020204" pitchFamily="34" charset="-122"/>
+            </a:endParaRPr>
+          </a:p>
+        </p:txBody>
+      </p:sp>
+      <p:pic>
+        <p:nvPicPr>
+          <p:cNvPr id="14" name="图片 13">
+            <a:extLst>
+              <a:ext uri="{FF2B5EF4-FFF2-40B4-BE49-F238E27FC236}">
+                <a16:creationId xmlns:a16="http://schemas.microsoft.com/office/drawing/2014/main" id="{A60BDDE2-5998-4183-B79E-D992E9803033}"/>
+              </a:ext>
+            </a:extLst>
+          </p:cNvPr>
+          <p:cNvPicPr>
+            <a:picLocks noChangeAspect="1"/>
+          </p:cNvPicPr>
+          <p:nvPr/>
+        </p:nvPicPr>
+        <p:blipFill>
+          <a:blip r:embed="rId8">
+            <a:extLst>
+              <a:ext uri="{28A0092B-C50C-407E-A947-70E740481C1C}">
+                <a14:useLocalDpi xmlns:a14="http://schemas.microsoft.com/office/drawing/2010/main" val="0"/>
+              </a:ext>
+            </a:extLst>
+          </a:blip>
+          <a:stretch>
+            <a:fillRect/>
+          </a:stretch>
+        </p:blipFill>
+        <p:spPr>
+          <a:xfrm>
+            <a:off x="3244692" y="374434"/>
+            <a:ext cx="5702616" cy="6262900"/>
+          </a:xfrm>
+          <a:prstGeom prst="rect">
+            <a:avLst/>
+          </a:prstGeom>
+        </p:spPr>
+      </p:pic>
+    </p:spTree>
+    <p:custDataLst>
+      <p:tags r:id="rId1"/>
+    </p:custDataLst>
+    <p:extLst>
+      <p:ext uri="{BB962C8B-B14F-4D97-AF65-F5344CB8AC3E}">
+        <p14:creationId xmlns:p14="http://schemas.microsoft.com/office/powerpoint/2010/main" val="2646897420"/>
+      </p:ext>
+    </p:extLst>
+  </p:cSld>
+  <p:clrMapOvr>
+    <a:masterClrMapping/>
+  </p:clrMapOvr>
+  <mc:AlternateContent xmlns:mc="http://schemas.openxmlformats.org/markup-compatibility/2006" xmlns:p14="http://schemas.microsoft.com/office/powerpoint/2010/main">
+    <mc:Choice Requires="p14">
+      <p:transition spd="med" p14:dur="700" advTm="31146">
+        <p:fade/>
+      </p:transition>
+    </mc:Choice>
+    <mc:Fallback xmlns="">
+      <p:transition spd="med" advTm="31146">
+        <p:fade/>
+      </p:transition>
+    </mc:Fallback>
+  </mc:AlternateContent>
+</p:sld>
+</file>
+
+<file path=ppt/slides/slide14.xml><?xml version="1.0" encoding="utf-8"?>
+<p:sld xmlns:a="http://schemas.openxmlformats.org/drawingml/2006/main" xmlns:r="http://schemas.openxmlformats.org/officeDocument/2006/relationships" xmlns:p="http://schemas.openxmlformats.org/presentationml/2006/main">
+  <p:cSld>
+    <p:spTree>
+      <p:nvGrpSpPr>
+        <p:cNvPr id="1" name=""/>
+        <p:cNvGrpSpPr/>
+        <p:nvPr/>
+      </p:nvGrpSpPr>
+      <p:grpSpPr>
+        <a:xfrm>
+          <a:off x="0" y="0"/>
+          <a:ext cx="0" cy="0"/>
+          <a:chOff x="0" y="0"/>
+          <a:chExt cx="0" cy="0"/>
+        </a:xfrm>
+      </p:grpSpPr>
+      <p:sp>
+        <p:nvSpPr>
+          <p:cNvPr id="3" name="PA_矩形 2"/>
+          <p:cNvSpPr/>
+          <p:nvPr>
+            <p:custDataLst>
+              <p:tags r:id="rId2"/>
+            </p:custDataLst>
+          </p:nvPr>
+        </p:nvSpPr>
+        <p:spPr>
+          <a:xfrm>
+            <a:off x="0" y="1"/>
+            <a:ext cx="12192000" cy="45719"/>
+          </a:xfrm>
+          <a:prstGeom prst="rect">
+            <a:avLst/>
+          </a:prstGeom>
+          <a:solidFill>
+            <a:srgbClr val="C55A11"/>
+          </a:solidFill>
+          <a:ln>
+            <a:noFill/>
+          </a:ln>
+        </p:spPr>
+        <p:style>
+          <a:lnRef idx="2">
+            <a:schemeClr val="accent1">
+              <a:shade val="50000"/>
+            </a:schemeClr>
+          </a:lnRef>
+          <a:fillRef idx="1">
+            <a:schemeClr val="accent1"/>
+          </a:fillRef>
+          <a:effectRef idx="0">
+            <a:schemeClr val="accent1"/>
+          </a:effectRef>
+          <a:fontRef idx="minor">
+            <a:schemeClr val="lt1"/>
+          </a:fontRef>
+        </p:style>
+        <p:txBody>
+          <a:bodyPr rtlCol="0" anchor="ctr"/>
+          <a:lstStyle/>
+          <a:p>
+            <a:pPr algn="ctr"/>
+            <a:endParaRPr lang="zh-CN" altLang="en-US"/>
+          </a:p>
+        </p:txBody>
+      </p:sp>
+      <p:cxnSp>
+        <p:nvCxnSpPr>
+          <p:cNvPr id="6" name="PA_直接连接符 5"/>
+          <p:cNvCxnSpPr>
+            <a:cxnSpLocks/>
+          </p:cNvCxnSpPr>
+          <p:nvPr>
+            <p:custDataLst>
+              <p:tags r:id="rId3"/>
+            </p:custDataLst>
+          </p:nvPr>
+        </p:nvCxnSpPr>
+        <p:spPr>
+          <a:xfrm>
+            <a:off x="0" y="1201003"/>
+            <a:ext cx="12192000" cy="0"/>
+          </a:xfrm>
+          <a:prstGeom prst="line">
+            <a:avLst/>
+          </a:prstGeom>
+          <a:ln>
+            <a:solidFill>
+              <a:schemeClr val="tx1">
+                <a:lumMod val="50000"/>
+                <a:lumOff val="50000"/>
+              </a:schemeClr>
+            </a:solidFill>
+          </a:ln>
+        </p:spPr>
+        <p:style>
+          <a:lnRef idx="1">
+            <a:schemeClr val="accent1"/>
+          </a:lnRef>
+          <a:fillRef idx="0">
+            <a:schemeClr val="accent1"/>
+          </a:fillRef>
+          <a:effectRef idx="0">
+            <a:schemeClr val="accent1"/>
+          </a:effectRef>
+          <a:fontRef idx="minor">
+            <a:schemeClr val="tx1"/>
+          </a:fontRef>
+        </p:style>
+      </p:cxnSp>
+      <p:sp>
+        <p:nvSpPr>
+          <p:cNvPr id="10" name="PA_矩形 9"/>
+          <p:cNvSpPr/>
+          <p:nvPr>
+            <p:custDataLst>
+              <p:tags r:id="rId4"/>
+            </p:custDataLst>
+          </p:nvPr>
+        </p:nvSpPr>
+        <p:spPr>
+          <a:xfrm>
+            <a:off x="0" y="6713739"/>
+            <a:ext cx="12192000" cy="144261"/>
+          </a:xfrm>
+          <a:prstGeom prst="rect">
+            <a:avLst/>
+          </a:prstGeom>
+          <a:solidFill>
+            <a:srgbClr val="C55A11"/>
+          </a:solidFill>
+          <a:ln>
+            <a:noFill/>
+          </a:ln>
+        </p:spPr>
+        <p:style>
+          <a:lnRef idx="2">
+            <a:schemeClr val="accent1">
+              <a:shade val="50000"/>
+            </a:schemeClr>
+          </a:lnRef>
+          <a:fillRef idx="1">
+            <a:schemeClr val="accent1"/>
+          </a:fillRef>
+          <a:effectRef idx="0">
+            <a:schemeClr val="accent1"/>
+          </a:effectRef>
+          <a:fontRef idx="minor">
+            <a:schemeClr val="lt1"/>
+          </a:fontRef>
+        </p:style>
+        <p:txBody>
+          <a:bodyPr rtlCol="0" anchor="ctr"/>
+          <a:lstStyle/>
+          <a:p>
+            <a:pPr algn="ctr"/>
+            <a:endParaRPr lang="zh-CN" altLang="en-US"/>
+          </a:p>
+        </p:txBody>
+      </p:sp>
+      <p:pic>
+        <p:nvPicPr>
+          <p:cNvPr id="5" name="图片 4">
+            <a:extLst>
+              <a:ext uri="{FF2B5EF4-FFF2-40B4-BE49-F238E27FC236}">
+                <a16:creationId xmlns:a16="http://schemas.microsoft.com/office/drawing/2014/main" id="{331F8B9E-44A9-48A8-A615-661C088C7B35}"/>
+              </a:ext>
+            </a:extLst>
+          </p:cNvPr>
+          <p:cNvPicPr>
+            <a:picLocks noChangeAspect="1"/>
+          </p:cNvPicPr>
+          <p:nvPr/>
+        </p:nvPicPr>
+        <p:blipFill>
+          <a:blip r:embed="rId7" cstate="print">
+            <a:extLst>
+              <a:ext uri="{28A0092B-C50C-407E-A947-70E740481C1C}">
+                <a14:useLocalDpi xmlns:a14="http://schemas.microsoft.com/office/drawing/2010/main" val="0"/>
+              </a:ext>
+            </a:extLst>
+          </a:blip>
+          <a:stretch>
+            <a:fillRect/>
+          </a:stretch>
+        </p:blipFill>
+        <p:spPr>
+          <a:xfrm>
+            <a:off x="11042374" y="139459"/>
+            <a:ext cx="967805" cy="967805"/>
+          </a:xfrm>
+          <a:prstGeom prst="rect">
+            <a:avLst/>
+          </a:prstGeom>
+        </p:spPr>
+      </p:pic>
+      <p:sp>
+        <p:nvSpPr>
+          <p:cNvPr id="13" name="矩形 12">
+            <a:extLst>
+              <a:ext uri="{FF2B5EF4-FFF2-40B4-BE49-F238E27FC236}">
+                <a16:creationId xmlns:a16="http://schemas.microsoft.com/office/drawing/2014/main" id="{2B277579-C26B-4516-B8AC-02305AA55F0F}"/>
+              </a:ext>
+            </a:extLst>
+          </p:cNvPr>
+          <p:cNvSpPr/>
+          <p:nvPr/>
+        </p:nvSpPr>
+        <p:spPr>
+          <a:xfrm>
+            <a:off x="181821" y="300196"/>
+            <a:ext cx="8461513" cy="646331"/>
+          </a:xfrm>
+          <a:prstGeom prst="rect">
+            <a:avLst/>
+          </a:prstGeom>
+        </p:spPr>
+        <p:txBody>
+          <a:bodyPr wrap="square">
+            <a:spAutoFit/>
+          </a:bodyPr>
+          <a:lstStyle/>
+          <a:p>
+            <a:r>
+              <a:rPr lang="zh-CN" altLang="en-US" sz="3600" dirty="0">
+                <a:solidFill>
+                  <a:schemeClr val="tx1">
+                    <a:lumMod val="75000"/>
+                    <a:lumOff val="25000"/>
+                  </a:schemeClr>
+                </a:solidFill>
+                <a:latin typeface="微软雅黑" panose="020B0503020204020204" pitchFamily="34" charset="-122"/>
+                <a:ea typeface="微软雅黑" panose="020B0503020204020204" pitchFamily="34" charset="-122"/>
+              </a:rPr>
+              <a:t>三、存在的问题与解决方案</a:t>
+            </a:r>
+          </a:p>
+        </p:txBody>
+      </p:sp>
+      <p:sp>
+        <p:nvSpPr>
+          <p:cNvPr id="11" name="文本框 10">
+            <a:extLst>
+              <a:ext uri="{FF2B5EF4-FFF2-40B4-BE49-F238E27FC236}">
+                <a16:creationId xmlns:a16="http://schemas.microsoft.com/office/drawing/2014/main" id="{7982F957-CE34-4724-A644-098701D857A9}"/>
+              </a:ext>
+            </a:extLst>
+          </p:cNvPr>
+          <p:cNvSpPr txBox="1"/>
+          <p:nvPr/>
+        </p:nvSpPr>
+        <p:spPr>
+          <a:xfrm>
+            <a:off x="181821" y="1294743"/>
+            <a:ext cx="11828358" cy="5201424"/>
+          </a:xfrm>
+          <a:prstGeom prst="rect">
+            <a:avLst/>
+          </a:prstGeom>
+          <a:noFill/>
+        </p:spPr>
+        <p:txBody>
+          <a:bodyPr wrap="square" rtlCol="0">
+            <a:spAutoFit/>
+          </a:bodyPr>
+          <a:lstStyle/>
+          <a:p>
+            <a:pPr marL="457200" indent="-457200">
+              <a:lnSpc>
+                <a:spcPct val="150000"/>
+              </a:lnSpc>
+              <a:buClr>
+                <a:srgbClr val="C55A11"/>
+              </a:buClr>
+              <a:buFont typeface="Wingdings" panose="05000000000000000000" pitchFamily="2" charset="2"/>
+              <a:buChar char="Ø"/>
+            </a:pPr>
+            <a:r>
+              <a:rPr lang="zh-CN" altLang="en-US" sz="2800" dirty="0">
+                <a:latin typeface="华文楷体" panose="02010600040101010101" pitchFamily="2" charset="-122"/>
+                <a:ea typeface="华文楷体" panose="02010600040101010101" pitchFamily="2" charset="-122"/>
+              </a:rPr>
+              <a:t>存在的问题</a:t>
+            </a:r>
+            <a:endParaRPr lang="en-US" altLang="zh-CN" sz="2800" dirty="0">
+              <a:latin typeface="华文楷体" panose="02010600040101010101" pitchFamily="2" charset="-122"/>
+              <a:ea typeface="华文楷体" panose="02010600040101010101" pitchFamily="2" charset="-122"/>
+            </a:endParaRPr>
+          </a:p>
+          <a:p>
+            <a:pPr marL="914400" lvl="1" indent="-457200">
+              <a:lnSpc>
+                <a:spcPct val="150000"/>
+              </a:lnSpc>
+              <a:buClr>
+                <a:srgbClr val="C55A11"/>
+              </a:buClr>
+              <a:buFont typeface="Wingdings" panose="05000000000000000000" pitchFamily="2" charset="2"/>
+              <a:buChar char="Ø"/>
+            </a:pPr>
+            <a:r>
+              <a:rPr lang="zh-CN" altLang="en-US" sz="2800">
+                <a:latin typeface="华文楷体" panose="02010600040101010101" pitchFamily="2" charset="-122"/>
+                <a:ea typeface="华文楷体" panose="02010600040101010101" pitchFamily="2" charset="-122"/>
+              </a:rPr>
+              <a:t>仅在单句分类任务上进行了验证</a:t>
+            </a:r>
+            <a:endParaRPr lang="en-US" altLang="zh-CN" sz="2800" dirty="0">
+              <a:latin typeface="华文楷体" panose="02010600040101010101" pitchFamily="2" charset="-122"/>
+              <a:ea typeface="华文楷体" panose="02010600040101010101" pitchFamily="2" charset="-122"/>
+            </a:endParaRPr>
+          </a:p>
+          <a:p>
+            <a:pPr marL="914400" lvl="1" indent="-457200">
+              <a:lnSpc>
+                <a:spcPct val="150000"/>
+              </a:lnSpc>
+              <a:buClr>
+                <a:srgbClr val="C55A11"/>
+              </a:buClr>
+              <a:buFont typeface="Wingdings" panose="05000000000000000000" pitchFamily="2" charset="2"/>
+              <a:buChar char="Ø"/>
+            </a:pPr>
+            <a:r>
+              <a:rPr lang="zh-CN" altLang="en-US" sz="2800" dirty="0">
+                <a:latin typeface="华文楷体" panose="02010600040101010101" pitchFamily="2" charset="-122"/>
+                <a:ea typeface="华文楷体" panose="02010600040101010101" pitchFamily="2" charset="-122"/>
+              </a:rPr>
+              <a:t>提出的</a:t>
+            </a:r>
+            <a:r>
+              <a:rPr lang="en-US" altLang="zh-CN" sz="2800" dirty="0">
+                <a:latin typeface="华文楷体" panose="02010600040101010101" pitchFamily="2" charset="-122"/>
+                <a:ea typeface="华文楷体" panose="02010600040101010101" pitchFamily="2" charset="-122"/>
+              </a:rPr>
+              <a:t>L-E</a:t>
+            </a:r>
+            <a:r>
+              <a:rPr lang="zh-CN" altLang="en-US" sz="2800" dirty="0">
+                <a:latin typeface="华文楷体" panose="02010600040101010101" pitchFamily="2" charset="-122"/>
+                <a:ea typeface="华文楷体" panose="02010600040101010101" pitchFamily="2" charset="-122"/>
+              </a:rPr>
+              <a:t>共享模式没有达到</a:t>
+            </a:r>
+            <a:r>
+              <a:rPr lang="zh-CN" altLang="en-US" sz="2800">
+                <a:latin typeface="华文楷体" panose="02010600040101010101" pitchFamily="2" charset="-122"/>
+                <a:ea typeface="华文楷体" panose="02010600040101010101" pitchFamily="2" charset="-122"/>
+              </a:rPr>
+              <a:t>预期效果</a:t>
+            </a:r>
+            <a:endParaRPr lang="en-US" altLang="zh-CN" sz="2800" dirty="0">
+              <a:latin typeface="华文楷体" panose="02010600040101010101" pitchFamily="2" charset="-122"/>
+              <a:ea typeface="华文楷体" panose="02010600040101010101" pitchFamily="2" charset="-122"/>
+            </a:endParaRPr>
+          </a:p>
+          <a:p>
+            <a:pPr marL="914400" lvl="1" indent="-457200">
+              <a:lnSpc>
+                <a:spcPct val="150000"/>
+              </a:lnSpc>
+              <a:buClr>
+                <a:srgbClr val="C55A11"/>
+              </a:buClr>
+              <a:buFont typeface="Wingdings" panose="05000000000000000000" pitchFamily="2" charset="2"/>
+              <a:buChar char="Ø"/>
+            </a:pPr>
+            <a:r>
+              <a:rPr lang="zh-CN" altLang="en-US" sz="2800" dirty="0">
+                <a:latin typeface="华文楷体" panose="02010600040101010101" pitchFamily="2" charset="-122"/>
+                <a:ea typeface="华文楷体" panose="02010600040101010101" pitchFamily="2" charset="-122"/>
+              </a:rPr>
+              <a:t>使用的数据集</a:t>
+            </a:r>
+            <a:r>
+              <a:rPr lang="zh-CN" altLang="en-US" sz="2800">
+                <a:latin typeface="华文楷体" panose="02010600040101010101" pitchFamily="2" charset="-122"/>
+                <a:ea typeface="华文楷体" panose="02010600040101010101" pitchFamily="2" charset="-122"/>
+              </a:rPr>
+              <a:t>规模较小</a:t>
+            </a:r>
+            <a:endParaRPr lang="en-US" altLang="zh-CN" sz="2800" dirty="0">
+              <a:latin typeface="华文楷体" panose="02010600040101010101" pitchFamily="2" charset="-122"/>
+              <a:ea typeface="华文楷体" panose="02010600040101010101" pitchFamily="2" charset="-122"/>
+            </a:endParaRPr>
+          </a:p>
+          <a:p>
+            <a:pPr marL="457200" indent="-457200">
+              <a:lnSpc>
+                <a:spcPct val="150000"/>
+              </a:lnSpc>
+              <a:buClr>
+                <a:srgbClr val="C55A11"/>
+              </a:buClr>
+              <a:buFont typeface="Wingdings" panose="05000000000000000000" pitchFamily="2" charset="2"/>
+              <a:buChar char="Ø"/>
+            </a:pPr>
+            <a:r>
+              <a:rPr lang="zh-CN" altLang="en-US" sz="2800" dirty="0">
+                <a:latin typeface="华文楷体" panose="02010600040101010101" pitchFamily="2" charset="-122"/>
+                <a:ea typeface="华文楷体" panose="02010600040101010101" pitchFamily="2" charset="-122"/>
+              </a:rPr>
+              <a:t>解决方案</a:t>
+            </a:r>
+            <a:endParaRPr lang="en-US" altLang="zh-CN" sz="2800" dirty="0">
+              <a:latin typeface="华文楷体" panose="02010600040101010101" pitchFamily="2" charset="-122"/>
+              <a:ea typeface="华文楷体" panose="02010600040101010101" pitchFamily="2" charset="-122"/>
+            </a:endParaRPr>
+          </a:p>
+          <a:p>
+            <a:pPr marL="914400" lvl="1" indent="-457200">
+              <a:lnSpc>
+                <a:spcPct val="150000"/>
+              </a:lnSpc>
+              <a:buClr>
+                <a:srgbClr val="C55A11"/>
+              </a:buClr>
+              <a:buFont typeface="Wingdings" panose="05000000000000000000" pitchFamily="2" charset="2"/>
+              <a:buChar char="Ø"/>
+            </a:pPr>
+            <a:r>
+              <a:rPr lang="zh-CN" altLang="en-US" sz="2800" dirty="0">
+                <a:latin typeface="华文楷体" panose="02010600040101010101" pitchFamily="2" charset="-122"/>
+                <a:ea typeface="华文楷体" panose="02010600040101010101" pitchFamily="2" charset="-122"/>
+              </a:rPr>
+              <a:t>在自然语言</a:t>
+            </a:r>
+            <a:r>
+              <a:rPr lang="zh-CN" altLang="en-US" sz="2800">
+                <a:latin typeface="华文楷体" panose="02010600040101010101" pitchFamily="2" charset="-122"/>
+                <a:ea typeface="华文楷体" panose="02010600040101010101" pitchFamily="2" charset="-122"/>
+              </a:rPr>
+              <a:t>推理等句对分类任务</a:t>
+            </a:r>
+            <a:r>
+              <a:rPr lang="zh-CN" altLang="en-US" sz="2800" dirty="0">
+                <a:latin typeface="华文楷体" panose="02010600040101010101" pitchFamily="2" charset="-122"/>
+                <a:ea typeface="华文楷体" panose="02010600040101010101" pitchFamily="2" charset="-122"/>
+              </a:rPr>
+              <a:t>上实验</a:t>
+            </a:r>
+            <a:endParaRPr lang="en-US" altLang="zh-CN" sz="2800" dirty="0">
+              <a:latin typeface="华文楷体" panose="02010600040101010101" pitchFamily="2" charset="-122"/>
+              <a:ea typeface="华文楷体" panose="02010600040101010101" pitchFamily="2" charset="-122"/>
+            </a:endParaRPr>
+          </a:p>
+          <a:p>
+            <a:pPr marL="914400" lvl="1" indent="-457200">
+              <a:lnSpc>
+                <a:spcPct val="150000"/>
+              </a:lnSpc>
+              <a:buClr>
+                <a:srgbClr val="C55A11"/>
+              </a:buClr>
+              <a:buFont typeface="Wingdings" panose="05000000000000000000" pitchFamily="2" charset="2"/>
+              <a:buChar char="Ø"/>
+            </a:pPr>
+            <a:r>
+              <a:rPr lang="zh-CN" altLang="en-US" sz="2800">
+                <a:latin typeface="华文楷体" panose="02010600040101010101" pitchFamily="2" charset="-122"/>
+                <a:ea typeface="华文楷体" panose="02010600040101010101" pitchFamily="2" charset="-122"/>
+              </a:rPr>
+              <a:t>改进</a:t>
+            </a:r>
+            <a:r>
+              <a:rPr lang="en-US" altLang="zh-CN" sz="2800">
+                <a:latin typeface="华文楷体" panose="02010600040101010101" pitchFamily="2" charset="-122"/>
+                <a:ea typeface="华文楷体" panose="02010600040101010101" pitchFamily="2" charset="-122"/>
+              </a:rPr>
+              <a:t>L-E</a:t>
+            </a:r>
+            <a:r>
+              <a:rPr lang="zh-CN" altLang="en-US" sz="2800">
+                <a:latin typeface="华文楷体" panose="02010600040101010101" pitchFamily="2" charset="-122"/>
+                <a:ea typeface="华文楷体" panose="02010600040101010101" pitchFamily="2" charset="-122"/>
+              </a:rPr>
+              <a:t>共享模式，或寻找适合</a:t>
+            </a:r>
+            <a:r>
+              <a:rPr lang="en-US" altLang="zh-CN" sz="2800">
+                <a:latin typeface="华文楷体" panose="02010600040101010101" pitchFamily="2" charset="-122"/>
+                <a:ea typeface="华文楷体" panose="02010600040101010101" pitchFamily="2" charset="-122"/>
+              </a:rPr>
+              <a:t>L-E</a:t>
+            </a:r>
+            <a:r>
+              <a:rPr lang="zh-CN" altLang="en-US" sz="2800">
+                <a:latin typeface="华文楷体" panose="02010600040101010101" pitchFamily="2" charset="-122"/>
+                <a:ea typeface="华文楷体" panose="02010600040101010101" pitchFamily="2" charset="-122"/>
+              </a:rPr>
+              <a:t>结构的应用场景</a:t>
+            </a:r>
+            <a:endParaRPr lang="en-US" altLang="zh-CN" sz="2800" dirty="0">
+              <a:latin typeface="华文楷体" panose="02010600040101010101" pitchFamily="2" charset="-122"/>
+              <a:ea typeface="华文楷体" panose="02010600040101010101" pitchFamily="2" charset="-122"/>
+            </a:endParaRPr>
+          </a:p>
+          <a:p>
+            <a:pPr marL="914400" lvl="1" indent="-457200">
+              <a:lnSpc>
+                <a:spcPct val="150000"/>
+              </a:lnSpc>
+              <a:buClr>
+                <a:srgbClr val="C55A11"/>
+              </a:buClr>
+              <a:buFont typeface="Wingdings" panose="05000000000000000000" pitchFamily="2" charset="2"/>
+              <a:buChar char="Ø"/>
+            </a:pPr>
+            <a:r>
+              <a:rPr lang="zh-CN" altLang="en-US" sz="2800" dirty="0">
+                <a:latin typeface="华文楷体" panose="02010600040101010101" pitchFamily="2" charset="-122"/>
+                <a:ea typeface="华文楷体" panose="02010600040101010101" pitchFamily="2" charset="-122"/>
+              </a:rPr>
+              <a:t>在不同规模的数据集上对模型进行更多测试</a:t>
+            </a:r>
+            <a:endParaRPr lang="en-US" altLang="zh-CN" sz="2800" dirty="0">
+              <a:latin typeface="华文楷体" panose="02010600040101010101" pitchFamily="2" charset="-122"/>
+              <a:ea typeface="华文楷体" panose="02010600040101010101" pitchFamily="2" charset="-122"/>
+            </a:endParaRPr>
+          </a:p>
+        </p:txBody>
+      </p:sp>
+    </p:spTree>
+    <p:custDataLst>
+      <p:tags r:id="rId1"/>
+    </p:custDataLst>
+    <p:extLst>
+      <p:ext uri="{BB962C8B-B14F-4D97-AF65-F5344CB8AC3E}">
+        <p14:creationId xmlns:p14="http://schemas.microsoft.com/office/powerpoint/2010/main" val="3622559143"/>
+      </p:ext>
+    </p:extLst>
+  </p:cSld>
+  <p:clrMapOvr>
+    <a:masterClrMapping/>
+  </p:clrMapOvr>
+  <mc:AlternateContent xmlns:mc="http://schemas.openxmlformats.org/markup-compatibility/2006" xmlns:p14="http://schemas.microsoft.com/office/powerpoint/2010/main">
+    <mc:Choice Requires="p14">
+      <p:transition spd="med" p14:dur="700" advTm="31146">
+        <p:fade/>
+      </p:transition>
+    </mc:Choice>
+    <mc:Fallback xmlns="">
+      <p:transition spd="med" advTm="31146">
+        <p:fade/>
+      </p:transition>
+    </mc:Fallback>
+  </mc:AlternateContent>
+</p:sld>
+</file>
+
+<file path=ppt/slides/slide15.xml><?xml version="1.0" encoding="utf-8"?>
+<p:sld xmlns:a="http://schemas.openxmlformats.org/drawingml/2006/main" xmlns:r="http://schemas.openxmlformats.org/officeDocument/2006/relationships" xmlns:p="http://schemas.openxmlformats.org/presentationml/2006/main">
+  <p:cSld>
+    <p:spTree>
+      <p:nvGrpSpPr>
+        <p:cNvPr id="1" name=""/>
+        <p:cNvGrpSpPr/>
+        <p:nvPr/>
+      </p:nvGrpSpPr>
+      <p:grpSpPr>
+        <a:xfrm>
+          <a:off x="0" y="0"/>
+          <a:ext cx="0" cy="0"/>
+          <a:chOff x="0" y="0"/>
+          <a:chExt cx="0" cy="0"/>
+        </a:xfrm>
+      </p:grpSpPr>
+      <p:sp>
+        <p:nvSpPr>
+          <p:cNvPr id="3" name="PA_矩形 2"/>
+          <p:cNvSpPr/>
+          <p:nvPr>
+            <p:custDataLst>
+              <p:tags r:id="rId2"/>
+            </p:custDataLst>
+          </p:nvPr>
+        </p:nvSpPr>
+        <p:spPr>
+          <a:xfrm>
+            <a:off x="0" y="1"/>
+            <a:ext cx="12192000" cy="45719"/>
+          </a:xfrm>
+          <a:prstGeom prst="rect">
+            <a:avLst/>
+          </a:prstGeom>
+          <a:solidFill>
+            <a:srgbClr val="C55A11"/>
+          </a:solidFill>
+          <a:ln>
+            <a:noFill/>
+          </a:ln>
+        </p:spPr>
+        <p:style>
+          <a:lnRef idx="2">
+            <a:schemeClr val="accent1">
+              <a:shade val="50000"/>
+            </a:schemeClr>
+          </a:lnRef>
+          <a:fillRef idx="1">
+            <a:schemeClr val="accent1"/>
+          </a:fillRef>
+          <a:effectRef idx="0">
+            <a:schemeClr val="accent1"/>
+          </a:effectRef>
+          <a:fontRef idx="minor">
+            <a:schemeClr val="lt1"/>
+          </a:fontRef>
+        </p:style>
+        <p:txBody>
+          <a:bodyPr rtlCol="0" anchor="ctr"/>
+          <a:lstStyle/>
+          <a:p>
+            <a:pPr algn="ctr"/>
+            <a:endParaRPr lang="zh-CN" altLang="en-US"/>
+          </a:p>
+        </p:txBody>
+      </p:sp>
+      <p:cxnSp>
+        <p:nvCxnSpPr>
+          <p:cNvPr id="6" name="PA_直接连接符 5"/>
+          <p:cNvCxnSpPr>
+            <a:cxnSpLocks/>
+          </p:cNvCxnSpPr>
+          <p:nvPr>
+            <p:custDataLst>
+              <p:tags r:id="rId3"/>
+            </p:custDataLst>
+          </p:nvPr>
+        </p:nvCxnSpPr>
+        <p:spPr>
+          <a:xfrm>
+            <a:off x="0" y="1201003"/>
+            <a:ext cx="12192000" cy="0"/>
+          </a:xfrm>
+          <a:prstGeom prst="line">
+            <a:avLst/>
+          </a:prstGeom>
+          <a:ln>
+            <a:solidFill>
+              <a:schemeClr val="tx1">
+                <a:lumMod val="50000"/>
+                <a:lumOff val="50000"/>
+              </a:schemeClr>
+            </a:solidFill>
+          </a:ln>
+        </p:spPr>
+        <p:style>
+          <a:lnRef idx="1">
+            <a:schemeClr val="accent1"/>
+          </a:lnRef>
+          <a:fillRef idx="0">
+            <a:schemeClr val="accent1"/>
+          </a:fillRef>
+          <a:effectRef idx="0">
+            <a:schemeClr val="accent1"/>
+          </a:effectRef>
+          <a:fontRef idx="minor">
+            <a:schemeClr val="tx1"/>
+          </a:fontRef>
+        </p:style>
+      </p:cxnSp>
+      <p:sp>
+        <p:nvSpPr>
+          <p:cNvPr id="10" name="PA_矩形 9"/>
+          <p:cNvSpPr/>
+          <p:nvPr>
+            <p:custDataLst>
+              <p:tags r:id="rId4"/>
+            </p:custDataLst>
+          </p:nvPr>
+        </p:nvSpPr>
+        <p:spPr>
+          <a:xfrm>
+            <a:off x="0" y="6713739"/>
+            <a:ext cx="12192000" cy="144261"/>
+          </a:xfrm>
+          <a:prstGeom prst="rect">
+            <a:avLst/>
+          </a:prstGeom>
+          <a:solidFill>
+            <a:srgbClr val="C55A11"/>
+          </a:solidFill>
+          <a:ln>
+            <a:noFill/>
+          </a:ln>
+        </p:spPr>
+        <p:style>
+          <a:lnRef idx="2">
+            <a:schemeClr val="accent1">
+              <a:shade val="50000"/>
+            </a:schemeClr>
+          </a:lnRef>
+          <a:fillRef idx="1">
+            <a:schemeClr val="accent1"/>
+          </a:fillRef>
+          <a:effectRef idx="0">
+            <a:schemeClr val="accent1"/>
+          </a:effectRef>
+          <a:fontRef idx="minor">
+            <a:schemeClr val="lt1"/>
+          </a:fontRef>
+        </p:style>
+        <p:txBody>
+          <a:bodyPr rtlCol="0" anchor="ctr"/>
+          <a:lstStyle/>
+          <a:p>
+            <a:pPr algn="ctr"/>
+            <a:endParaRPr lang="zh-CN" altLang="en-US"/>
+          </a:p>
+        </p:txBody>
+      </p:sp>
+      <p:pic>
+        <p:nvPicPr>
+          <p:cNvPr id="5" name="图片 4">
+            <a:extLst>
+              <a:ext uri="{FF2B5EF4-FFF2-40B4-BE49-F238E27FC236}">
+                <a16:creationId xmlns:a16="http://schemas.microsoft.com/office/drawing/2014/main" id="{331F8B9E-44A9-48A8-A615-661C088C7B35}"/>
+              </a:ext>
+            </a:extLst>
+          </p:cNvPr>
+          <p:cNvPicPr>
+            <a:picLocks noChangeAspect="1"/>
+          </p:cNvPicPr>
+          <p:nvPr/>
+        </p:nvPicPr>
+        <p:blipFill>
+          <a:blip r:embed="rId7" cstate="print">
+            <a:extLst>
+              <a:ext uri="{28A0092B-C50C-407E-A947-70E740481C1C}">
+                <a14:useLocalDpi xmlns:a14="http://schemas.microsoft.com/office/drawing/2010/main" val="0"/>
+              </a:ext>
+            </a:extLst>
+          </a:blip>
+          <a:stretch>
+            <a:fillRect/>
+          </a:stretch>
+        </p:blipFill>
+        <p:spPr>
+          <a:xfrm>
+            <a:off x="11042374" y="139459"/>
+            <a:ext cx="967805" cy="967805"/>
+          </a:xfrm>
+          <a:prstGeom prst="rect">
+            <a:avLst/>
+          </a:prstGeom>
+        </p:spPr>
+      </p:pic>
+      <p:sp>
+        <p:nvSpPr>
+          <p:cNvPr id="13" name="矩形 12">
+            <a:extLst>
+              <a:ext uri="{FF2B5EF4-FFF2-40B4-BE49-F238E27FC236}">
+                <a16:creationId xmlns:a16="http://schemas.microsoft.com/office/drawing/2014/main" id="{2B277579-C26B-4516-B8AC-02305AA55F0F}"/>
+              </a:ext>
+            </a:extLst>
+          </p:cNvPr>
+          <p:cNvSpPr/>
+          <p:nvPr/>
+        </p:nvSpPr>
+        <p:spPr>
+          <a:xfrm>
+            <a:off x="181821" y="300196"/>
+            <a:ext cx="8461513" cy="646331"/>
+          </a:xfrm>
+          <a:prstGeom prst="rect">
+            <a:avLst/>
+          </a:prstGeom>
+        </p:spPr>
+        <p:txBody>
+          <a:bodyPr wrap="square">
+            <a:spAutoFit/>
+          </a:bodyPr>
+          <a:lstStyle/>
+          <a:p>
+            <a:r>
               <a:rPr lang="zh-CN" altLang="en-US" sz="3600" dirty="0">
                 <a:solidFill>
                   <a:schemeClr val="tx1">
@@ -6744,7 +7711,7 @@
 </p:sld>
 </file>
 
-<file path=ppt/slides/slide14.xml><?xml version="1.0" encoding="utf-8"?>
+<file path=ppt/slides/slide16.xml><?xml version="1.0" encoding="utf-8"?>
 <p:sld xmlns:a="http://schemas.openxmlformats.org/drawingml/2006/main" xmlns:r="http://schemas.openxmlformats.org/officeDocument/2006/relationships" xmlns:p="http://schemas.openxmlformats.org/presentationml/2006/main">
   <p:cSld>
     <p:spTree>
@@ -10855,44 +11822,8 @@
         </p:blipFill>
         <p:spPr>
           <a:xfrm>
-            <a:off x="6694180" y="65341"/>
-            <a:ext cx="4348194" cy="6169192"/>
-          </a:xfrm>
-          <a:prstGeom prst="rect">
-            <a:avLst/>
-          </a:prstGeom>
-        </p:spPr>
-      </p:pic>
-      <p:pic>
-        <p:nvPicPr>
-          <p:cNvPr id="11" name="图片 10">
-            <a:extLst>
-              <a:ext uri="{FF2B5EF4-FFF2-40B4-BE49-F238E27FC236}">
-                <a16:creationId xmlns:a16="http://schemas.microsoft.com/office/drawing/2014/main" id="{E08A3474-640C-43CB-AD6A-8F3299E35488}"/>
-              </a:ext>
-            </a:extLst>
-          </p:cNvPr>
-          <p:cNvPicPr>
-            <a:picLocks noChangeAspect="1"/>
-          </p:cNvPicPr>
-          <p:nvPr/>
-        </p:nvPicPr>
-        <p:blipFill>
-          <a:blip r:embed="rId9">
-            <a:extLst>
-              <a:ext uri="{28A0092B-C50C-407E-A947-70E740481C1C}">
-                <a14:useLocalDpi xmlns:a14="http://schemas.microsoft.com/office/drawing/2010/main" val="0"/>
-              </a:ext>
-            </a:extLst>
-          </a:blip>
-          <a:stretch>
-            <a:fillRect/>
-          </a:stretch>
-        </p:blipFill>
-        <p:spPr>
-          <a:xfrm>
-            <a:off x="1299235" y="2519267"/>
-            <a:ext cx="4427140" cy="2385235"/>
+            <a:off x="3846442" y="193536"/>
+            <a:ext cx="4244009" cy="6021375"/>
           </a:xfrm>
           <a:prstGeom prst="rect">
             <a:avLst/>
@@ -11247,6 +12178,12 @@
 
 <file path=ppt/tags/tag58.xml><?xml version="1.0" encoding="utf-8"?>
 <p:tagLst xmlns:a="http://schemas.openxmlformats.org/drawingml/2006/main" xmlns:r="http://schemas.openxmlformats.org/officeDocument/2006/relationships" xmlns:p="http://schemas.openxmlformats.org/presentationml/2006/main">
+  <p:tag name="TIMING" val="|28.4"/>
+</p:tagLst>
+</file>
+
+<file path=ppt/tags/tag59.xml><?xml version="1.0" encoding="utf-8"?>
+<p:tagLst xmlns:a="http://schemas.openxmlformats.org/drawingml/2006/main" xmlns:r="http://schemas.openxmlformats.org/officeDocument/2006/relationships" xmlns:p="http://schemas.openxmlformats.org/presentationml/2006/main">
   <p:tag name="PA" val="v4.0.0"/>
 </p:tagLst>
 </file>
@@ -11254,6 +12191,48 @@
 <file path=ppt/tags/tag6.xml><?xml version="1.0" encoding="utf-8"?>
 <p:tagLst xmlns:a="http://schemas.openxmlformats.org/drawingml/2006/main" xmlns:r="http://schemas.openxmlformats.org/officeDocument/2006/relationships" xmlns:p="http://schemas.openxmlformats.org/presentationml/2006/main">
   <p:tag name="TIMING" val="|28.4"/>
+</p:tagLst>
+</file>
+
+<file path=ppt/tags/tag60.xml><?xml version="1.0" encoding="utf-8"?>
+<p:tagLst xmlns:a="http://schemas.openxmlformats.org/drawingml/2006/main" xmlns:r="http://schemas.openxmlformats.org/officeDocument/2006/relationships" xmlns:p="http://schemas.openxmlformats.org/presentationml/2006/main">
+  <p:tag name="PA" val="v4.0.0"/>
+</p:tagLst>
+</file>
+
+<file path=ppt/tags/tag61.xml><?xml version="1.0" encoding="utf-8"?>
+<p:tagLst xmlns:a="http://schemas.openxmlformats.org/drawingml/2006/main" xmlns:r="http://schemas.openxmlformats.org/officeDocument/2006/relationships" xmlns:p="http://schemas.openxmlformats.org/presentationml/2006/main">
+  <p:tag name="PA" val="v4.0.0"/>
+</p:tagLst>
+</file>
+
+<file path=ppt/tags/tag62.xml><?xml version="1.0" encoding="utf-8"?>
+<p:tagLst xmlns:a="http://schemas.openxmlformats.org/drawingml/2006/main" xmlns:r="http://schemas.openxmlformats.org/officeDocument/2006/relationships" xmlns:p="http://schemas.openxmlformats.org/presentationml/2006/main">
+  <p:tag name="TIMING" val="|28.4"/>
+</p:tagLst>
+</file>
+
+<file path=ppt/tags/tag63.xml><?xml version="1.0" encoding="utf-8"?>
+<p:tagLst xmlns:a="http://schemas.openxmlformats.org/drawingml/2006/main" xmlns:r="http://schemas.openxmlformats.org/officeDocument/2006/relationships" xmlns:p="http://schemas.openxmlformats.org/presentationml/2006/main">
+  <p:tag name="PA" val="v4.0.0"/>
+</p:tagLst>
+</file>
+
+<file path=ppt/tags/tag64.xml><?xml version="1.0" encoding="utf-8"?>
+<p:tagLst xmlns:a="http://schemas.openxmlformats.org/drawingml/2006/main" xmlns:r="http://schemas.openxmlformats.org/officeDocument/2006/relationships" xmlns:p="http://schemas.openxmlformats.org/presentationml/2006/main">
+  <p:tag name="PA" val="v4.0.0"/>
+</p:tagLst>
+</file>
+
+<file path=ppt/tags/tag65.xml><?xml version="1.0" encoding="utf-8"?>
+<p:tagLst xmlns:a="http://schemas.openxmlformats.org/drawingml/2006/main" xmlns:r="http://schemas.openxmlformats.org/officeDocument/2006/relationships" xmlns:p="http://schemas.openxmlformats.org/presentationml/2006/main">
+  <p:tag name="PA" val="v4.0.0"/>
+</p:tagLst>
+</file>
+
+<file path=ppt/tags/tag66.xml><?xml version="1.0" encoding="utf-8"?>
+<p:tagLst xmlns:a="http://schemas.openxmlformats.org/drawingml/2006/main" xmlns:r="http://schemas.openxmlformats.org/officeDocument/2006/relationships" xmlns:p="http://schemas.openxmlformats.org/presentationml/2006/main">
+  <p:tag name="PA" val="v4.0.0"/>
 </p:tagLst>
 </file>
 

--- a/materials/中期答辩.pptx
+++ b/materials/中期答辩.pptx
@@ -223,7 +223,7 @@
           <a:p>
             <a:fld id="{F75178F4-C18B-48EC-9055-35D023B30368}" type="datetimeFigureOut">
               <a:rPr lang="zh-CN" altLang="en-US" smtClean="0"/>
-              <a:t>2019/4/25</a:t>
+              <a:t>2019/4/27</a:t>
             </a:fld>
             <a:endParaRPr lang="zh-CN" altLang="en-US"/>
           </a:p>
@@ -2045,7 +2045,7 @@
           <a:p>
             <a:fld id="{287BCA0E-3945-47E9-A9AA-27ACE9347398}" type="datetimeFigureOut">
               <a:rPr lang="zh-CN" altLang="en-US" smtClean="0"/>
-              <a:t>2019/4/25</a:t>
+              <a:t>2019/4/27</a:t>
             </a:fld>
             <a:endParaRPr lang="zh-CN" altLang="en-US"/>
           </a:p>
@@ -2215,7 +2215,7 @@
           <a:p>
             <a:fld id="{287BCA0E-3945-47E9-A9AA-27ACE9347398}" type="datetimeFigureOut">
               <a:rPr lang="zh-CN" altLang="en-US" smtClean="0"/>
-              <a:t>2019/4/25</a:t>
+              <a:t>2019/4/27</a:t>
             </a:fld>
             <a:endParaRPr lang="zh-CN" altLang="en-US"/>
           </a:p>
@@ -2395,7 +2395,7 @@
           <a:p>
             <a:fld id="{287BCA0E-3945-47E9-A9AA-27ACE9347398}" type="datetimeFigureOut">
               <a:rPr lang="zh-CN" altLang="en-US" smtClean="0"/>
-              <a:t>2019/4/25</a:t>
+              <a:t>2019/4/27</a:t>
             </a:fld>
             <a:endParaRPr lang="zh-CN" altLang="en-US"/>
           </a:p>
@@ -2565,7 +2565,7 @@
           <a:p>
             <a:fld id="{287BCA0E-3945-47E9-A9AA-27ACE9347398}" type="datetimeFigureOut">
               <a:rPr lang="zh-CN" altLang="en-US" smtClean="0"/>
-              <a:t>2019/4/25</a:t>
+              <a:t>2019/4/27</a:t>
             </a:fld>
             <a:endParaRPr lang="zh-CN" altLang="en-US"/>
           </a:p>
@@ -2811,7 +2811,7 @@
           <a:p>
             <a:fld id="{287BCA0E-3945-47E9-A9AA-27ACE9347398}" type="datetimeFigureOut">
               <a:rPr lang="zh-CN" altLang="en-US" smtClean="0"/>
-              <a:t>2019/4/25</a:t>
+              <a:t>2019/4/27</a:t>
             </a:fld>
             <a:endParaRPr lang="zh-CN" altLang="en-US"/>
           </a:p>
@@ -3043,7 +3043,7 @@
           <a:p>
             <a:fld id="{287BCA0E-3945-47E9-A9AA-27ACE9347398}" type="datetimeFigureOut">
               <a:rPr lang="zh-CN" altLang="en-US" smtClean="0"/>
-              <a:t>2019/4/25</a:t>
+              <a:t>2019/4/27</a:t>
             </a:fld>
             <a:endParaRPr lang="zh-CN" altLang="en-US"/>
           </a:p>
@@ -3410,7 +3410,7 @@
           <a:p>
             <a:fld id="{287BCA0E-3945-47E9-A9AA-27ACE9347398}" type="datetimeFigureOut">
               <a:rPr lang="zh-CN" altLang="en-US" smtClean="0"/>
-              <a:t>2019/4/25</a:t>
+              <a:t>2019/4/27</a:t>
             </a:fld>
             <a:endParaRPr lang="zh-CN" altLang="en-US"/>
           </a:p>
@@ -3528,7 +3528,7 @@
           <a:p>
             <a:fld id="{287BCA0E-3945-47E9-A9AA-27ACE9347398}" type="datetimeFigureOut">
               <a:rPr lang="zh-CN" altLang="en-US" smtClean="0"/>
-              <a:t>2019/4/25</a:t>
+              <a:t>2019/4/27</a:t>
             </a:fld>
             <a:endParaRPr lang="zh-CN" altLang="en-US"/>
           </a:p>
@@ -3623,7 +3623,7 @@
           <a:p>
             <a:fld id="{287BCA0E-3945-47E9-A9AA-27ACE9347398}" type="datetimeFigureOut">
               <a:rPr lang="zh-CN" altLang="en-US" smtClean="0"/>
-              <a:t>2019/4/25</a:t>
+              <a:t>2019/4/27</a:t>
             </a:fld>
             <a:endParaRPr lang="zh-CN" altLang="en-US"/>
           </a:p>
@@ -3900,7 +3900,7 @@
           <a:p>
             <a:fld id="{287BCA0E-3945-47E9-A9AA-27ACE9347398}" type="datetimeFigureOut">
               <a:rPr lang="zh-CN" altLang="en-US" smtClean="0"/>
-              <a:t>2019/4/25</a:t>
+              <a:t>2019/4/27</a:t>
             </a:fld>
             <a:endParaRPr lang="zh-CN" altLang="en-US"/>
           </a:p>
@@ -4157,7 +4157,7 @@
           <a:p>
             <a:fld id="{287BCA0E-3945-47E9-A9AA-27ACE9347398}" type="datetimeFigureOut">
               <a:rPr lang="zh-CN" altLang="en-US" smtClean="0"/>
-              <a:t>2019/4/25</a:t>
+              <a:t>2019/4/27</a:t>
             </a:fld>
             <a:endParaRPr lang="zh-CN" altLang="en-US"/>
           </a:p>
@@ -4370,7 +4370,7 @@
           <a:p>
             <a:fld id="{287BCA0E-3945-47E9-A9AA-27ACE9347398}" type="datetimeFigureOut">
               <a:rPr lang="zh-CN" altLang="en-US" smtClean="0"/>
-              <a:t>2019/4/25</a:t>
+              <a:t>2019/4/27</a:t>
             </a:fld>
             <a:endParaRPr lang="zh-CN" altLang="en-US"/>
           </a:p>
@@ -7012,7 +7012,7 @@
         <p:spPr>
           <a:xfrm>
             <a:off x="181821" y="1294743"/>
-            <a:ext cx="11828358" cy="5201424"/>
+            <a:ext cx="11828358" cy="2616101"/>
           </a:xfrm>
           <a:prstGeom prst="rect">
             <a:avLst/>
@@ -7059,11 +7059,11 @@
               <a:buChar char="Ø"/>
             </a:pPr>
             <a:r>
-              <a:rPr lang="zh-CN" altLang="en-US" sz="2800">
+              <a:rPr lang="zh-CN" altLang="en-US" sz="2800" dirty="0">
                 <a:latin typeface="华文楷体" panose="02010600040101010101" pitchFamily="2" charset="-122"/>
                 <a:ea typeface="华文楷体" panose="02010600040101010101" pitchFamily="2" charset="-122"/>
               </a:rPr>
-              <a:t>仅在单句分类任务上进行了验证</a:t>
+              <a:t>任务跨度不够大</a:t>
             </a:r>
             <a:endParaRPr lang="en-US" altLang="zh-CN" sz="2800" dirty="0">
               <a:latin typeface="华文楷体" panose="02010600040101010101" pitchFamily="2" charset="-122"/>
@@ -7086,28 +7086,7 @@
                 <a:latin typeface="华文楷体" panose="02010600040101010101" pitchFamily="2" charset="-122"/>
                 <a:ea typeface="华文楷体" panose="02010600040101010101" pitchFamily="2" charset="-122"/>
               </a:rPr>
-              <a:t>提出的</a:t>
-            </a:r>
-            <a:r>
-              <a:rPr lang="en-US" altLang="zh-CN" sz="2800" dirty="0">
-                <a:latin typeface="华文楷体" panose="02010600040101010101" pitchFamily="2" charset="-122"/>
-                <a:ea typeface="华文楷体" panose="02010600040101010101" pitchFamily="2" charset="-122"/>
-              </a:rPr>
-              <a:t>L-E</a:t>
-            </a:r>
-            <a:r>
-              <a:rPr lang="zh-CN" altLang="en-US" sz="2800" dirty="0">
-                <a:latin typeface="华文楷体" panose="02010600040101010101" pitchFamily="2" charset="-122"/>
-                <a:ea typeface="华文楷体" panose="02010600040101010101" pitchFamily="2" charset="-122"/>
-              </a:rPr>
-              <a:t>共享模式没有达到</a:t>
-            </a:r>
-            <a:r>
-              <a:rPr lang="zh-CN" altLang="en-US" sz="2800">
-                <a:latin typeface="华文楷体" panose="02010600040101010101" pitchFamily="2" charset="-122"/>
-                <a:ea typeface="华文楷体" panose="02010600040101010101" pitchFamily="2" charset="-122"/>
-              </a:rPr>
-              <a:t>预期效果</a:t>
+              <a:t>数据集规模单一</a:t>
             </a:r>
             <a:endParaRPr lang="en-US" altLang="zh-CN" sz="2800" dirty="0">
               <a:latin typeface="华文楷体" panose="02010600040101010101" pitchFamily="2" charset="-122"/>
@@ -7130,148 +7109,21 @@
                 <a:latin typeface="华文楷体" panose="02010600040101010101" pitchFamily="2" charset="-122"/>
                 <a:ea typeface="华文楷体" panose="02010600040101010101" pitchFamily="2" charset="-122"/>
               </a:rPr>
-              <a:t>使用的数据集</a:t>
-            </a:r>
-            <a:r>
-              <a:rPr lang="zh-CN" altLang="en-US" sz="2800">
+              <a:t>未在</a:t>
+            </a:r>
+            <a:r>
+              <a:rPr lang="en-US" altLang="zh-CN" sz="2800" dirty="0">
                 <a:latin typeface="华文楷体" panose="02010600040101010101" pitchFamily="2" charset="-122"/>
                 <a:ea typeface="华文楷体" panose="02010600040101010101" pitchFamily="2" charset="-122"/>
               </a:rPr>
-              <a:t>规模较小</a:t>
-            </a:r>
-            <a:endParaRPr lang="en-US" altLang="zh-CN" sz="2800" dirty="0">
-              <a:latin typeface="华文楷体" panose="02010600040101010101" pitchFamily="2" charset="-122"/>
-              <a:ea typeface="华文楷体" panose="02010600040101010101" pitchFamily="2" charset="-122"/>
-            </a:endParaRPr>
-          </a:p>
-          <a:p>
-            <a:pPr marL="457200" indent="-457200">
-              <a:lnSpc>
-                <a:spcPct val="150000"/>
-              </a:lnSpc>
-              <a:buClr>
-                <a:srgbClr val="C55A11"/>
-              </a:buClr>
-              <a:buFont typeface="Wingdings" panose="05000000000000000000" pitchFamily="2" charset="2"/>
-              <a:buChar char="Ø"/>
-            </a:pPr>
+              <a:t>BERT</a:t>
+            </a:r>
             <a:r>
               <a:rPr lang="zh-CN" altLang="en-US" sz="2800" dirty="0">
                 <a:latin typeface="华文楷体" panose="02010600040101010101" pitchFamily="2" charset="-122"/>
                 <a:ea typeface="华文楷体" panose="02010600040101010101" pitchFamily="2" charset="-122"/>
               </a:rPr>
-              <a:t>解决方案</a:t>
-            </a:r>
-            <a:endParaRPr lang="en-US" altLang="zh-CN" sz="2800" dirty="0">
-              <a:latin typeface="华文楷体" panose="02010600040101010101" pitchFamily="2" charset="-122"/>
-              <a:ea typeface="华文楷体" panose="02010600040101010101" pitchFamily="2" charset="-122"/>
-            </a:endParaRPr>
-          </a:p>
-          <a:p>
-            <a:pPr marL="914400" lvl="1" indent="-457200">
-              <a:lnSpc>
-                <a:spcPct val="150000"/>
-              </a:lnSpc>
-              <a:buClr>
-                <a:srgbClr val="C55A11"/>
-              </a:buClr>
-              <a:buFont typeface="Wingdings" panose="05000000000000000000" pitchFamily="2" charset="2"/>
-              <a:buChar char="Ø"/>
-            </a:pPr>
-            <a:r>
-              <a:rPr lang="zh-CN" altLang="en-US" sz="2800" dirty="0">
-                <a:latin typeface="华文楷体" panose="02010600040101010101" pitchFamily="2" charset="-122"/>
-                <a:ea typeface="华文楷体" panose="02010600040101010101" pitchFamily="2" charset="-122"/>
-              </a:rPr>
-              <a:t>在自然语言</a:t>
-            </a:r>
-            <a:r>
-              <a:rPr lang="zh-CN" altLang="en-US" sz="2800">
-                <a:latin typeface="华文楷体" panose="02010600040101010101" pitchFamily="2" charset="-122"/>
-                <a:ea typeface="华文楷体" panose="02010600040101010101" pitchFamily="2" charset="-122"/>
-              </a:rPr>
-              <a:t>推理等句对分类任务</a:t>
-            </a:r>
-            <a:r>
-              <a:rPr lang="zh-CN" altLang="en-US" sz="2800" dirty="0">
-                <a:latin typeface="华文楷体" panose="02010600040101010101" pitchFamily="2" charset="-122"/>
-                <a:ea typeface="华文楷体" panose="02010600040101010101" pitchFamily="2" charset="-122"/>
-              </a:rPr>
-              <a:t>上实验</a:t>
-            </a:r>
-            <a:endParaRPr lang="en-US" altLang="zh-CN" sz="2800" dirty="0">
-              <a:latin typeface="华文楷体" panose="02010600040101010101" pitchFamily="2" charset="-122"/>
-              <a:ea typeface="华文楷体" panose="02010600040101010101" pitchFamily="2" charset="-122"/>
-            </a:endParaRPr>
-          </a:p>
-          <a:p>
-            <a:pPr marL="914400" lvl="1" indent="-457200">
-              <a:lnSpc>
-                <a:spcPct val="150000"/>
-              </a:lnSpc>
-              <a:buClr>
-                <a:srgbClr val="C55A11"/>
-              </a:buClr>
-              <a:buFont typeface="Wingdings" panose="05000000000000000000" pitchFamily="2" charset="2"/>
-              <a:buChar char="Ø"/>
-            </a:pPr>
-            <a:r>
-              <a:rPr lang="zh-CN" altLang="en-US" sz="2800">
-                <a:latin typeface="华文楷体" panose="02010600040101010101" pitchFamily="2" charset="-122"/>
-                <a:ea typeface="华文楷体" panose="02010600040101010101" pitchFamily="2" charset="-122"/>
-              </a:rPr>
-              <a:t>改进</a:t>
-            </a:r>
-            <a:r>
-              <a:rPr lang="en-US" altLang="zh-CN" sz="2800">
-                <a:latin typeface="华文楷体" panose="02010600040101010101" pitchFamily="2" charset="-122"/>
-                <a:ea typeface="华文楷体" panose="02010600040101010101" pitchFamily="2" charset="-122"/>
-              </a:rPr>
-              <a:t>L-E</a:t>
-            </a:r>
-            <a:r>
-              <a:rPr lang="zh-CN" altLang="en-US" sz="2800">
-                <a:latin typeface="华文楷体" panose="02010600040101010101" pitchFamily="2" charset="-122"/>
-                <a:ea typeface="华文楷体" panose="02010600040101010101" pitchFamily="2" charset="-122"/>
-              </a:rPr>
-              <a:t>共享模式，或寻找适合</a:t>
-            </a:r>
-            <a:r>
-              <a:rPr lang="en-US" altLang="zh-CN" sz="2800">
-                <a:latin typeface="华文楷体" panose="02010600040101010101" pitchFamily="2" charset="-122"/>
-                <a:ea typeface="华文楷体" panose="02010600040101010101" pitchFamily="2" charset="-122"/>
-              </a:rPr>
-              <a:t>L-E</a:t>
-            </a:r>
-            <a:r>
-              <a:rPr lang="zh-CN" altLang="en-US" sz="2800">
-                <a:latin typeface="华文楷体" panose="02010600040101010101" pitchFamily="2" charset="-122"/>
-                <a:ea typeface="华文楷体" panose="02010600040101010101" pitchFamily="2" charset="-122"/>
-              </a:rPr>
-              <a:t>结构的应用场景</a:t>
-            </a:r>
-            <a:endParaRPr lang="en-US" altLang="zh-CN" sz="2800" dirty="0">
-              <a:latin typeface="华文楷体" panose="02010600040101010101" pitchFamily="2" charset="-122"/>
-              <a:ea typeface="华文楷体" panose="02010600040101010101" pitchFamily="2" charset="-122"/>
-            </a:endParaRPr>
-          </a:p>
-          <a:p>
-            <a:pPr marL="914400" lvl="1" indent="-457200">
-              <a:lnSpc>
-                <a:spcPct val="150000"/>
-              </a:lnSpc>
-              <a:buClr>
-                <a:srgbClr val="C55A11"/>
-              </a:buClr>
-              <a:buFont typeface="Wingdings" panose="05000000000000000000" pitchFamily="2" charset="2"/>
-              <a:buChar char="Ø"/>
-            </a:pPr>
-            <a:r>
-              <a:rPr lang="zh-CN" altLang="en-US" sz="2800" dirty="0">
-                <a:latin typeface="华文楷体" panose="02010600040101010101" pitchFamily="2" charset="-122"/>
-                <a:ea typeface="华文楷体" panose="02010600040101010101" pitchFamily="2" charset="-122"/>
-              </a:rPr>
-              <a:t>在不同规模的数据集上对模型进行更多测试</a:t>
+              <a:t>上验证</a:t>
             </a:r>
             <a:endParaRPr lang="en-US" altLang="zh-CN" sz="2800" dirty="0">
               <a:latin typeface="华文楷体" panose="02010600040101010101" pitchFamily="2" charset="-122"/>
@@ -7563,7 +7415,7 @@
         <p:spPr>
           <a:xfrm>
             <a:off x="181821" y="1294743"/>
-            <a:ext cx="11828358" cy="3908762"/>
+            <a:ext cx="11828358" cy="3262432"/>
           </a:xfrm>
           <a:prstGeom prst="rect">
             <a:avLst/>
@@ -7587,16 +7439,52 @@
               <a:buChar char="Ø"/>
             </a:pPr>
             <a:r>
-              <a:rPr lang="zh-CN" altLang="en-US" sz="2800" dirty="0">
+              <a:rPr lang="zh-CN" altLang="en-US" sz="2800" b="1" dirty="0">
                 <a:latin typeface="华文楷体" panose="02010600040101010101" pitchFamily="2" charset="-122"/>
                 <a:ea typeface="华文楷体" panose="02010600040101010101" pitchFamily="2" charset="-122"/>
               </a:rPr>
-              <a:t>开始撰写毕业论文，完成背景知识和模型的介绍</a:t>
-            </a:r>
-            <a:endParaRPr lang="en-US" altLang="zh-CN" sz="2800" dirty="0">
+              <a:t>实验</a:t>
+            </a:r>
+            <a:endParaRPr lang="en-US" altLang="zh-CN" sz="2800" b="1" dirty="0">
               <a:latin typeface="华文楷体" panose="02010600040101010101" pitchFamily="2" charset="-122"/>
               <a:ea typeface="华文楷体" panose="02010600040101010101" pitchFamily="2" charset="-122"/>
             </a:endParaRPr>
+          </a:p>
+          <a:p>
+            <a:pPr marL="914400" lvl="1" indent="-457200">
+              <a:lnSpc>
+                <a:spcPct val="150000"/>
+              </a:lnSpc>
+              <a:buClr>
+                <a:srgbClr val="C55A11"/>
+              </a:buClr>
+              <a:buFont typeface="Wingdings" panose="05000000000000000000" pitchFamily="2" charset="2"/>
+              <a:buChar char="Ø"/>
+            </a:pPr>
+            <a:r>
+              <a:rPr lang="en-US" altLang="zh-CN" sz="2800" dirty="0">
+                <a:ea typeface="华文楷体" panose="02010600040101010101" pitchFamily="2" charset="-122"/>
+              </a:rPr>
+              <a:t>BERT (a pre-trained transformer)</a:t>
+            </a:r>
+          </a:p>
+          <a:p>
+            <a:pPr marL="914400" lvl="1" indent="-457200">
+              <a:lnSpc>
+                <a:spcPct val="150000"/>
+              </a:lnSpc>
+              <a:buClr>
+                <a:srgbClr val="C55A11"/>
+              </a:buClr>
+              <a:buFont typeface="Wingdings" panose="05000000000000000000" pitchFamily="2" charset="2"/>
+              <a:buChar char="Ø"/>
+            </a:pPr>
+            <a:r>
+              <a:rPr lang="en-US" altLang="zh-CN" sz="2800" dirty="0">
+                <a:ea typeface="华文楷体" panose="02010600040101010101" pitchFamily="2" charset="-122"/>
+              </a:rPr>
+              <a:t>NLI (MNLI, QNLI, RTE, WNLI)</a:t>
+            </a:r>
           </a:p>
           <a:p>
             <a:pPr marL="457200" indent="-457200">
@@ -7610,33 +7498,19 @@
               <a:buChar char="Ø"/>
             </a:pPr>
             <a:r>
-              <a:rPr lang="zh-CN" altLang="en-US" sz="2800" dirty="0">
+              <a:rPr lang="zh-CN" altLang="en-US" sz="2800" b="1" dirty="0">
                 <a:latin typeface="华文楷体" panose="02010600040101010101" pitchFamily="2" charset="-122"/>
                 <a:ea typeface="华文楷体" panose="02010600040101010101" pitchFamily="2" charset="-122"/>
               </a:rPr>
-              <a:t>在</a:t>
-            </a:r>
-            <a:r>
-              <a:rPr lang="en-US" altLang="zh-CN" sz="2800" dirty="0">
-                <a:latin typeface="华文楷体" panose="02010600040101010101" pitchFamily="2" charset="-122"/>
-                <a:ea typeface="华文楷体" panose="02010600040101010101" pitchFamily="2" charset="-122"/>
-              </a:rPr>
-              <a:t>GLUE</a:t>
-            </a:r>
-            <a:r>
-              <a:rPr lang="zh-CN" altLang="en-US" sz="2800" dirty="0">
-                <a:latin typeface="华文楷体" panose="02010600040101010101" pitchFamily="2" charset="-122"/>
-                <a:ea typeface="华文楷体" panose="02010600040101010101" pitchFamily="2" charset="-122"/>
-              </a:rPr>
-              <a:t>等多任务基准数据集上使用更多样化的数据集和任务对模型进行测试</a:t>
-            </a:r>
-            <a:endParaRPr lang="en-US" altLang="zh-CN" sz="2800" dirty="0">
+              <a:t>论文</a:t>
+            </a:r>
+            <a:endParaRPr lang="en-US" altLang="zh-CN" sz="2800" b="1" dirty="0">
               <a:latin typeface="华文楷体" panose="02010600040101010101" pitchFamily="2" charset="-122"/>
               <a:ea typeface="华文楷体" panose="02010600040101010101" pitchFamily="2" charset="-122"/>
             </a:endParaRPr>
           </a:p>
           <a:p>
-            <a:pPr marL="457200" indent="-457200">
+            <a:pPr marL="914400" lvl="1" indent="-457200">
               <a:lnSpc>
                 <a:spcPct val="150000"/>
               </a:lnSpc>
@@ -7646,36 +7520,6 @@
               <a:buFont typeface="Wingdings" panose="05000000000000000000" pitchFamily="2" charset="2"/>
               <a:buChar char="Ø"/>
             </a:pPr>
-            <a:r>
-              <a:rPr lang="zh-CN" altLang="en-US" sz="2800" dirty="0">
-                <a:latin typeface="华文楷体" panose="02010600040101010101" pitchFamily="2" charset="-122"/>
-                <a:ea typeface="华文楷体" panose="02010600040101010101" pitchFamily="2" charset="-122"/>
-              </a:rPr>
-              <a:t>试着对模型结构进行更细粒度的改进</a:t>
-            </a:r>
-            <a:endParaRPr lang="en-US" altLang="zh-CN" sz="2800" dirty="0">
-              <a:latin typeface="华文楷体" panose="02010600040101010101" pitchFamily="2" charset="-122"/>
-              <a:ea typeface="华文楷体" panose="02010600040101010101" pitchFamily="2" charset="-122"/>
-            </a:endParaRPr>
-          </a:p>
-          <a:p>
-            <a:pPr marL="457200" indent="-457200">
-              <a:lnSpc>
-                <a:spcPct val="150000"/>
-              </a:lnSpc>
-              <a:buClr>
-                <a:srgbClr val="C55A11"/>
-              </a:buClr>
-              <a:buFont typeface="Wingdings" panose="05000000000000000000" pitchFamily="2" charset="2"/>
-              <a:buChar char="Ø"/>
-            </a:pPr>
-            <a:r>
-              <a:rPr lang="zh-CN" altLang="en-US" sz="2800" dirty="0">
-                <a:latin typeface="华文楷体" panose="02010600040101010101" pitchFamily="2" charset="-122"/>
-                <a:ea typeface="华文楷体" panose="02010600040101010101" pitchFamily="2" charset="-122"/>
-              </a:rPr>
-              <a:t>根据前两步的结果，完成毕业论文的实验部分及后续部分，并准备毕设答辩</a:t>
-            </a:r>
             <a:endParaRPr lang="en-US" altLang="zh-CN" sz="2800" dirty="0">
               <a:latin typeface="华文楷体" panose="02010600040101010101" pitchFamily="2" charset="-122"/>
               <a:ea typeface="华文楷体" panose="02010600040101010101" pitchFamily="2" charset="-122"/>
@@ -10141,56 +9985,54 @@
               </a:ext>
             </a:extLst>
           </a:blip>
-          <a:srcRect l="19408" r="18685"/>
+          <a:srcRect l="19408" r="18685" b="23232"/>
           <a:stretch/>
         </p:blipFill>
         <p:spPr>
           <a:xfrm>
-            <a:off x="4861409" y="130018"/>
-            <a:ext cx="5856467" cy="6039482"/>
+            <a:off x="100223" y="1412280"/>
+            <a:ext cx="5856467" cy="4636423"/>
           </a:xfrm>
           <a:prstGeom prst="rect">
             <a:avLst/>
           </a:prstGeom>
         </p:spPr>
       </p:pic>
-      <p:sp>
-        <p:nvSpPr>
-          <p:cNvPr id="12" name="矩形 11">
+      <p:pic>
+        <p:nvPicPr>
+          <p:cNvPr id="9" name="图片 8">
             <a:extLst>
               <a:ext uri="{FF2B5EF4-FFF2-40B4-BE49-F238E27FC236}">
-                <a16:creationId xmlns:a16="http://schemas.microsoft.com/office/drawing/2014/main" id="{9E0B81A2-A629-4AEA-AAB7-E1E2189CFA25}"/>
+                <a16:creationId xmlns:a16="http://schemas.microsoft.com/office/drawing/2014/main" id="{911F695E-3FEA-4968-AAAA-D8E929655436}"/>
               </a:ext>
             </a:extLst>
           </p:cNvPr>
-          <p:cNvSpPr/>
+          <p:cNvPicPr>
+            <a:picLocks noChangeAspect="1"/>
+          </p:cNvPicPr>
           <p:nvPr/>
-        </p:nvSpPr>
-        <p:spPr>
-          <a:xfrm>
-            <a:off x="588667" y="4099959"/>
-            <a:ext cx="4197626" cy="646331"/>
+        </p:nvPicPr>
+        <p:blipFill rotWithShape="1">
+          <a:blip r:embed="rId9" cstate="print">
+            <a:extLst>
+              <a:ext uri="{28A0092B-C50C-407E-A947-70E740481C1C}">
+                <a14:useLocalDpi xmlns:a14="http://schemas.microsoft.com/office/drawing/2010/main" val="0"/>
+              </a:ext>
+            </a:extLst>
+          </a:blip>
+          <a:srcRect l="12005" t="3269" r="14703"/>
+          <a:stretch/>
+        </p:blipFill>
+        <p:spPr>
+          <a:xfrm>
+            <a:off x="6156429" y="1812322"/>
+            <a:ext cx="5593605" cy="4291851"/>
           </a:xfrm>
           <a:prstGeom prst="rect">
             <a:avLst/>
           </a:prstGeom>
         </p:spPr>
-        <p:txBody>
-          <a:bodyPr wrap="square">
-            <a:spAutoFit/>
-          </a:bodyPr>
-          <a:lstStyle/>
-          <a:p>
-            <a:r>
-              <a:rPr lang="en-US" altLang="zh-CN" dirty="0">
-                <a:hlinkClick r:id="rId9"/>
-              </a:rPr>
-              <a:t>https://github.com/txsun1997/Graduation/tree/master/materials</a:t>
-            </a:r>
-            <a:endParaRPr lang="zh-CN" altLang="en-US" dirty="0"/>
-          </a:p>
-        </p:txBody>
-      </p:sp>
+      </p:pic>
     </p:spTree>
     <p:custDataLst>
       <p:tags r:id="rId1"/>
